--- a/1.Hafta/1.Hafta.pptx
+++ b/1.Hafta/1.Hafta.pptx
@@ -3204,337 +3204,6 @@
         </a:p>
       </dgm:t>
     </dgm:pt>
-    <dgm:pt modelId="{2C8F0B52-C56D-4697-A631-79C934D88B58}">
-      <dgm:prSet/>
-      <dgm:spPr/>
-      <dgm:t>
-        <a:bodyPr/>
-        <a:lstStyle/>
-        <a:p>
-          <a:pPr>
-            <a:buFont typeface="Arial" panose="020B0604020202020204" pitchFamily="34" charset="0"/>
-            <a:buChar char="•"/>
-          </a:pPr>
-          <a:r>
-            <a:rPr lang="tr-TR" b="0" i="0" u="none">
-              <a:latin typeface="Ubuntu" panose="020B0504030602030204" pitchFamily="34" charset="0"/>
-            </a:rPr>
-            <a:t>For Döngüsü</a:t>
-          </a:r>
-          <a:endParaRPr lang="tr-TR" b="0" i="0" u="none" dirty="0">
-            <a:latin typeface="Ubuntu" panose="020B0504030602030204" pitchFamily="34" charset="0"/>
-          </a:endParaRPr>
-        </a:p>
-      </dgm:t>
-    </dgm:pt>
-    <dgm:pt modelId="{74878F36-9715-4CCE-A6D9-52F50C9BAE74}" type="parTrans" cxnId="{54B0EDF3-7EC1-4B12-AA73-C3E1546A9414}">
-      <dgm:prSet/>
-      <dgm:spPr/>
-      <dgm:t>
-        <a:bodyPr/>
-        <a:lstStyle/>
-        <a:p>
-          <a:endParaRPr lang="tr-TR">
-            <a:latin typeface="Ubuntu" panose="020B0504030602030204" pitchFamily="34" charset="0"/>
-          </a:endParaRPr>
-        </a:p>
-      </dgm:t>
-    </dgm:pt>
-    <dgm:pt modelId="{0DBF9637-6E7F-4872-BDB0-A7FED3807E2E}" type="sibTrans" cxnId="{54B0EDF3-7EC1-4B12-AA73-C3E1546A9414}">
-      <dgm:prSet/>
-      <dgm:spPr/>
-      <dgm:t>
-        <a:bodyPr/>
-        <a:lstStyle/>
-        <a:p>
-          <a:endParaRPr lang="tr-TR">
-            <a:latin typeface="Ubuntu" panose="020B0504030602030204" pitchFamily="34" charset="0"/>
-          </a:endParaRPr>
-        </a:p>
-      </dgm:t>
-    </dgm:pt>
-    <dgm:pt modelId="{256EF59D-2CA6-407D-A828-C9C5F0D54886}">
-      <dgm:prSet/>
-      <dgm:spPr/>
-      <dgm:t>
-        <a:bodyPr/>
-        <a:lstStyle/>
-        <a:p>
-          <a:pPr>
-            <a:buFont typeface="Arial" panose="020B0604020202020204" pitchFamily="34" charset="0"/>
-            <a:buChar char="•"/>
-          </a:pPr>
-          <a:r>
-            <a:rPr lang="tr-TR" b="0" i="0" u="none" dirty="0" err="1">
-              <a:latin typeface="Ubuntu" panose="020B0504030602030204" pitchFamily="34" charset="0"/>
-            </a:rPr>
-            <a:t>While</a:t>
-          </a:r>
-          <a:r>
-            <a:rPr lang="tr-TR" b="0" i="0" u="none" dirty="0">
-              <a:latin typeface="Ubuntu" panose="020B0504030602030204" pitchFamily="34" charset="0"/>
-            </a:rPr>
-            <a:t> Döngüsü</a:t>
-          </a:r>
-        </a:p>
-      </dgm:t>
-    </dgm:pt>
-    <dgm:pt modelId="{12A9A19D-55D1-4B67-B0C5-5667BB6ED35C}" type="parTrans" cxnId="{7C625257-8DE0-408E-A0C3-72A3F4496AB9}">
-      <dgm:prSet/>
-      <dgm:spPr/>
-      <dgm:t>
-        <a:bodyPr/>
-        <a:lstStyle/>
-        <a:p>
-          <a:endParaRPr lang="tr-TR">
-            <a:latin typeface="Ubuntu" panose="020B0504030602030204" pitchFamily="34" charset="0"/>
-          </a:endParaRPr>
-        </a:p>
-      </dgm:t>
-    </dgm:pt>
-    <dgm:pt modelId="{398F89CA-191E-47F8-9021-D145C991BF8D}" type="sibTrans" cxnId="{7C625257-8DE0-408E-A0C3-72A3F4496AB9}">
-      <dgm:prSet/>
-      <dgm:spPr/>
-      <dgm:t>
-        <a:bodyPr/>
-        <a:lstStyle/>
-        <a:p>
-          <a:endParaRPr lang="tr-TR">
-            <a:latin typeface="Ubuntu" panose="020B0504030602030204" pitchFamily="34" charset="0"/>
-          </a:endParaRPr>
-        </a:p>
-      </dgm:t>
-    </dgm:pt>
-    <dgm:pt modelId="{265B4075-0BB3-42AE-85B8-A47ABAF2785C}">
-      <dgm:prSet/>
-      <dgm:spPr/>
-      <dgm:t>
-        <a:bodyPr/>
-        <a:lstStyle/>
-        <a:p>
-          <a:pPr>
-            <a:buFont typeface="Arial" panose="020B0604020202020204" pitchFamily="34" charset="0"/>
-            <a:buChar char="•"/>
-          </a:pPr>
-          <a:r>
-            <a:rPr lang="tr-TR" b="0" i="0" u="none">
-              <a:latin typeface="Ubuntu" panose="020B0504030602030204" pitchFamily="34" charset="0"/>
-            </a:rPr>
-            <a:t>Range Fonksiyonu</a:t>
-          </a:r>
-        </a:p>
-      </dgm:t>
-    </dgm:pt>
-    <dgm:pt modelId="{C35B132A-632F-4DA4-ADB9-7A0813DF8130}" type="parTrans" cxnId="{13FA3773-DCB8-4CE5-AE31-3EAFD5007719}">
-      <dgm:prSet/>
-      <dgm:spPr/>
-      <dgm:t>
-        <a:bodyPr/>
-        <a:lstStyle/>
-        <a:p>
-          <a:endParaRPr lang="tr-TR">
-            <a:latin typeface="Ubuntu" panose="020B0504030602030204" pitchFamily="34" charset="0"/>
-          </a:endParaRPr>
-        </a:p>
-      </dgm:t>
-    </dgm:pt>
-    <dgm:pt modelId="{3FB85B54-44CB-4F16-ADEB-F46CE9863993}" type="sibTrans" cxnId="{13FA3773-DCB8-4CE5-AE31-3EAFD5007719}">
-      <dgm:prSet/>
-      <dgm:spPr/>
-      <dgm:t>
-        <a:bodyPr/>
-        <a:lstStyle/>
-        <a:p>
-          <a:endParaRPr lang="tr-TR">
-            <a:latin typeface="Ubuntu" panose="020B0504030602030204" pitchFamily="34" charset="0"/>
-          </a:endParaRPr>
-        </a:p>
-      </dgm:t>
-    </dgm:pt>
-    <dgm:pt modelId="{5EA97463-1F0C-4C58-85CF-43D883ADF213}">
-      <dgm:prSet/>
-      <dgm:spPr/>
-      <dgm:t>
-        <a:bodyPr/>
-        <a:lstStyle/>
-        <a:p>
-          <a:pPr>
-            <a:buFont typeface="Arial" panose="020B0604020202020204" pitchFamily="34" charset="0"/>
-            <a:buChar char="•"/>
-          </a:pPr>
-          <a:r>
-            <a:rPr lang="en-US" b="0" i="0" u="none">
-              <a:latin typeface="Ubuntu" panose="020B0504030602030204" pitchFamily="34" charset="0"/>
-            </a:rPr>
-            <a:t>is ve is not Operatörü</a:t>
-          </a:r>
-        </a:p>
-      </dgm:t>
-    </dgm:pt>
-    <dgm:pt modelId="{BA9756FC-E880-4333-9234-407F29CB901F}" type="parTrans" cxnId="{279C71BE-8F86-4432-B234-AB248E9B22A0}">
-      <dgm:prSet/>
-      <dgm:spPr/>
-      <dgm:t>
-        <a:bodyPr/>
-        <a:lstStyle/>
-        <a:p>
-          <a:endParaRPr lang="tr-TR">
-            <a:latin typeface="Ubuntu" panose="020B0504030602030204" pitchFamily="34" charset="0"/>
-          </a:endParaRPr>
-        </a:p>
-      </dgm:t>
-    </dgm:pt>
-    <dgm:pt modelId="{70D6E9A7-11F9-4F54-973F-CF3A4CC7A522}" type="sibTrans" cxnId="{279C71BE-8F86-4432-B234-AB248E9B22A0}">
-      <dgm:prSet/>
-      <dgm:spPr/>
-      <dgm:t>
-        <a:bodyPr/>
-        <a:lstStyle/>
-        <a:p>
-          <a:endParaRPr lang="tr-TR">
-            <a:latin typeface="Ubuntu" panose="020B0504030602030204" pitchFamily="34" charset="0"/>
-          </a:endParaRPr>
-        </a:p>
-      </dgm:t>
-    </dgm:pt>
-    <dgm:pt modelId="{7208A861-B130-439D-92DD-CE78718B3096}">
-      <dgm:prSet/>
-      <dgm:spPr/>
-      <dgm:t>
-        <a:bodyPr/>
-        <a:lstStyle/>
-        <a:p>
-          <a:pPr>
-            <a:buFont typeface="Arial" panose="020B0604020202020204" pitchFamily="34" charset="0"/>
-            <a:buChar char="•"/>
-          </a:pPr>
-          <a:r>
-            <a:rPr lang="tr-TR" b="0" i="0" u="none">
-              <a:latin typeface="Ubuntu" panose="020B0504030602030204" pitchFamily="34" charset="0"/>
-            </a:rPr>
-            <a:t>Continue deyimi</a:t>
-          </a:r>
-        </a:p>
-      </dgm:t>
-    </dgm:pt>
-    <dgm:pt modelId="{0AC51AAD-24BD-4B66-BAFC-859C7FFF4F21}" type="parTrans" cxnId="{5F0BB20C-958D-4FEA-9C50-14FAFE65814D}">
-      <dgm:prSet/>
-      <dgm:spPr/>
-      <dgm:t>
-        <a:bodyPr/>
-        <a:lstStyle/>
-        <a:p>
-          <a:endParaRPr lang="tr-TR">
-            <a:latin typeface="Ubuntu" panose="020B0504030602030204" pitchFamily="34" charset="0"/>
-          </a:endParaRPr>
-        </a:p>
-      </dgm:t>
-    </dgm:pt>
-    <dgm:pt modelId="{B91B4B1B-61A7-486E-B7A2-2EBEA7C88AC5}" type="sibTrans" cxnId="{5F0BB20C-958D-4FEA-9C50-14FAFE65814D}">
-      <dgm:prSet/>
-      <dgm:spPr/>
-      <dgm:t>
-        <a:bodyPr/>
-        <a:lstStyle/>
-        <a:p>
-          <a:endParaRPr lang="tr-TR">
-            <a:latin typeface="Ubuntu" panose="020B0504030602030204" pitchFamily="34" charset="0"/>
-          </a:endParaRPr>
-        </a:p>
-      </dgm:t>
-    </dgm:pt>
-    <dgm:pt modelId="{4BEDD588-FF97-4926-9D50-6DF5DD8C365A}">
-      <dgm:prSet/>
-      <dgm:spPr/>
-      <dgm:t>
-        <a:bodyPr/>
-        <a:lstStyle/>
-        <a:p>
-          <a:pPr>
-            <a:buFont typeface="Arial" panose="020B0604020202020204" pitchFamily="34" charset="0"/>
-            <a:buChar char="•"/>
-          </a:pPr>
-          <a:r>
-            <a:rPr lang="tr-TR" b="0" i="0" u="none">
-              <a:latin typeface="Ubuntu" panose="020B0504030602030204" pitchFamily="34" charset="0"/>
-            </a:rPr>
-            <a:t>Break deyimi</a:t>
-          </a:r>
-        </a:p>
-      </dgm:t>
-    </dgm:pt>
-    <dgm:pt modelId="{A2192474-C6AD-487A-8E90-FFB8AAD7EFFF}" type="parTrans" cxnId="{7D4167D8-BAF2-4A2A-878A-4E5F11B3702E}">
-      <dgm:prSet/>
-      <dgm:spPr/>
-      <dgm:t>
-        <a:bodyPr/>
-        <a:lstStyle/>
-        <a:p>
-          <a:endParaRPr lang="tr-TR">
-            <a:latin typeface="Ubuntu" panose="020B0504030602030204" pitchFamily="34" charset="0"/>
-          </a:endParaRPr>
-        </a:p>
-      </dgm:t>
-    </dgm:pt>
-    <dgm:pt modelId="{D85B613D-C4D5-4DA3-8B4A-C92B0E15954F}" type="sibTrans" cxnId="{7D4167D8-BAF2-4A2A-878A-4E5F11B3702E}">
-      <dgm:prSet/>
-      <dgm:spPr/>
-      <dgm:t>
-        <a:bodyPr/>
-        <a:lstStyle/>
-        <a:p>
-          <a:endParaRPr lang="tr-TR">
-            <a:latin typeface="Ubuntu" panose="020B0504030602030204" pitchFamily="34" charset="0"/>
-          </a:endParaRPr>
-        </a:p>
-      </dgm:t>
-    </dgm:pt>
-    <dgm:pt modelId="{18AE7D1A-0B7A-4D6E-9FB7-1D17AE520028}">
-      <dgm:prSet/>
-      <dgm:spPr/>
-      <dgm:t>
-        <a:bodyPr/>
-        <a:lstStyle/>
-        <a:p>
-          <a:pPr>
-            <a:buFont typeface="Arial" panose="020B0604020202020204" pitchFamily="34" charset="0"/>
-            <a:buChar char="•"/>
-          </a:pPr>
-          <a:r>
-            <a:rPr lang="tr-TR" b="0" i="0" u="none">
-              <a:latin typeface="Ubuntu" panose="020B0504030602030204" pitchFamily="34" charset="0"/>
-            </a:rPr>
-            <a:t>İç İçe Döngüler</a:t>
-          </a:r>
-        </a:p>
-      </dgm:t>
-    </dgm:pt>
-    <dgm:pt modelId="{2F9D3CC8-174E-4137-A073-69FAA4C4B74F}" type="parTrans" cxnId="{D3D1B671-2E96-42DC-9482-CDD38065C9D4}">
-      <dgm:prSet/>
-      <dgm:spPr/>
-      <dgm:t>
-        <a:bodyPr/>
-        <a:lstStyle/>
-        <a:p>
-          <a:endParaRPr lang="tr-TR">
-            <a:latin typeface="Ubuntu" panose="020B0504030602030204" pitchFamily="34" charset="0"/>
-          </a:endParaRPr>
-        </a:p>
-      </dgm:t>
-    </dgm:pt>
-    <dgm:pt modelId="{52004A70-DF63-420C-8A56-92A043FAC5B9}" type="sibTrans" cxnId="{D3D1B671-2E96-42DC-9482-CDD38065C9D4}">
-      <dgm:prSet/>
-      <dgm:spPr/>
-      <dgm:t>
-        <a:bodyPr/>
-        <a:lstStyle/>
-        <a:p>
-          <a:endParaRPr lang="tr-TR">
-            <a:latin typeface="Ubuntu" panose="020B0504030602030204" pitchFamily="34" charset="0"/>
-          </a:endParaRPr>
-        </a:p>
-      </dgm:t>
-    </dgm:pt>
     <dgm:pt modelId="{13E119C4-4356-41DF-9005-64A59449D563}">
       <dgm:prSet/>
       <dgm:spPr/>
@@ -3569,193 +3238,6 @@
       </dgm:t>
     </dgm:pt>
     <dgm:pt modelId="{F325DDFE-4D68-4F7D-80B0-7DE40DE70B0E}" type="sibTrans" cxnId="{72BBD54B-55F5-4DE2-895A-DB6B2B81CF9D}">
-      <dgm:prSet/>
-      <dgm:spPr/>
-      <dgm:t>
-        <a:bodyPr/>
-        <a:lstStyle/>
-        <a:p>
-          <a:endParaRPr lang="tr-TR">
-            <a:latin typeface="Ubuntu" panose="020B0504030602030204" pitchFamily="34" charset="0"/>
-          </a:endParaRPr>
-        </a:p>
-      </dgm:t>
-    </dgm:pt>
-    <dgm:pt modelId="{3527FF6D-3394-4534-B80C-84A76B5B1CE2}">
-      <dgm:prSet/>
-      <dgm:spPr/>
-      <dgm:t>
-        <a:bodyPr/>
-        <a:lstStyle/>
-        <a:p>
-          <a:pPr>
-            <a:buFont typeface="Arial" panose="020B0604020202020204" pitchFamily="34" charset="0"/>
-            <a:buChar char="•"/>
-          </a:pPr>
-          <a:r>
-            <a:rPr lang="tr-TR" b="0" i="0" u="none">
-              <a:latin typeface="Ubuntu" panose="020B0504030602030204" pitchFamily="34" charset="0"/>
-            </a:rPr>
-            <a:t>Listeler</a:t>
-          </a:r>
-          <a:endParaRPr lang="tr-TR" b="0" i="0" u="none" dirty="0">
-            <a:latin typeface="Ubuntu" panose="020B0504030602030204" pitchFamily="34" charset="0"/>
-          </a:endParaRPr>
-        </a:p>
-      </dgm:t>
-    </dgm:pt>
-    <dgm:pt modelId="{B06A6CC6-A379-4097-A74E-2D0A8CBC6F92}" type="parTrans" cxnId="{B8274D6D-1D00-4C86-A885-A6000B7A5641}">
-      <dgm:prSet/>
-      <dgm:spPr/>
-      <dgm:t>
-        <a:bodyPr/>
-        <a:lstStyle/>
-        <a:p>
-          <a:endParaRPr lang="tr-TR">
-            <a:latin typeface="Ubuntu" panose="020B0504030602030204" pitchFamily="34" charset="0"/>
-          </a:endParaRPr>
-        </a:p>
-      </dgm:t>
-    </dgm:pt>
-    <dgm:pt modelId="{5CFC4DC9-205A-4BCF-BFFE-E070F84B0867}" type="sibTrans" cxnId="{B8274D6D-1D00-4C86-A885-A6000B7A5641}">
-      <dgm:prSet/>
-      <dgm:spPr/>
-      <dgm:t>
-        <a:bodyPr/>
-        <a:lstStyle/>
-        <a:p>
-          <a:endParaRPr lang="tr-TR">
-            <a:latin typeface="Ubuntu" panose="020B0504030602030204" pitchFamily="34" charset="0"/>
-          </a:endParaRPr>
-        </a:p>
-      </dgm:t>
-    </dgm:pt>
-    <dgm:pt modelId="{E104C03A-9132-4112-97C0-8DC15E006167}">
-      <dgm:prSet/>
-      <dgm:spPr/>
-      <dgm:t>
-        <a:bodyPr/>
-        <a:lstStyle/>
-        <a:p>
-          <a:pPr>
-            <a:buFont typeface="Arial" panose="020B0604020202020204" pitchFamily="34" charset="0"/>
-            <a:buChar char="•"/>
-          </a:pPr>
-          <a:r>
-            <a:rPr lang="tr-TR" b="0" i="0" u="none">
-              <a:latin typeface="Ubuntu" panose="020B0504030602030204" pitchFamily="34" charset="0"/>
-            </a:rPr>
-            <a:t>Tuple</a:t>
-          </a:r>
-        </a:p>
-      </dgm:t>
-    </dgm:pt>
-    <dgm:pt modelId="{531B6B7A-1E94-45E0-B7DD-9F0CBFDE87FF}" type="parTrans" cxnId="{7488CE48-1B87-4CAB-867F-7988B5E8AF28}">
-      <dgm:prSet/>
-      <dgm:spPr/>
-      <dgm:t>
-        <a:bodyPr/>
-        <a:lstStyle/>
-        <a:p>
-          <a:endParaRPr lang="tr-TR">
-            <a:latin typeface="Ubuntu" panose="020B0504030602030204" pitchFamily="34" charset="0"/>
-          </a:endParaRPr>
-        </a:p>
-      </dgm:t>
-    </dgm:pt>
-    <dgm:pt modelId="{3F7EE87D-CB94-4633-A50B-14C94C2E6AD2}" type="sibTrans" cxnId="{7488CE48-1B87-4CAB-867F-7988B5E8AF28}">
-      <dgm:prSet/>
-      <dgm:spPr/>
-      <dgm:t>
-        <a:bodyPr/>
-        <a:lstStyle/>
-        <a:p>
-          <a:endParaRPr lang="tr-TR">
-            <a:latin typeface="Ubuntu" panose="020B0504030602030204" pitchFamily="34" charset="0"/>
-          </a:endParaRPr>
-        </a:p>
-      </dgm:t>
-    </dgm:pt>
-    <dgm:pt modelId="{B18F4FD8-D5FC-4CBA-ACD6-004B74A82CB8}">
-      <dgm:prSet/>
-      <dgm:spPr/>
-      <dgm:t>
-        <a:bodyPr/>
-        <a:lstStyle/>
-        <a:p>
-          <a:pPr>
-            <a:buFont typeface="Arial" panose="020B0604020202020204" pitchFamily="34" charset="0"/>
-            <a:buChar char="•"/>
-          </a:pPr>
-          <a:r>
-            <a:rPr lang="tr-TR" b="0" i="0" u="none">
-              <a:latin typeface="Ubuntu" panose="020B0504030602030204" pitchFamily="34" charset="0"/>
-            </a:rPr>
-            <a:t>Set</a:t>
-          </a:r>
-        </a:p>
-      </dgm:t>
-    </dgm:pt>
-    <dgm:pt modelId="{518432D6-7833-4F10-B2A6-3AC006008D73}" type="parTrans" cxnId="{0537BCEC-777C-4D64-BCE6-6961E9C5B4CD}">
-      <dgm:prSet/>
-      <dgm:spPr/>
-      <dgm:t>
-        <a:bodyPr/>
-        <a:lstStyle/>
-        <a:p>
-          <a:endParaRPr lang="tr-TR">
-            <a:latin typeface="Ubuntu" panose="020B0504030602030204" pitchFamily="34" charset="0"/>
-          </a:endParaRPr>
-        </a:p>
-      </dgm:t>
-    </dgm:pt>
-    <dgm:pt modelId="{FEE74653-AEB1-431B-9311-E61C190DCA98}" type="sibTrans" cxnId="{0537BCEC-777C-4D64-BCE6-6961E9C5B4CD}">
-      <dgm:prSet/>
-      <dgm:spPr/>
-      <dgm:t>
-        <a:bodyPr/>
-        <a:lstStyle/>
-        <a:p>
-          <a:endParaRPr lang="tr-TR">
-            <a:latin typeface="Ubuntu" panose="020B0504030602030204" pitchFamily="34" charset="0"/>
-          </a:endParaRPr>
-        </a:p>
-      </dgm:t>
-    </dgm:pt>
-    <dgm:pt modelId="{80BAD949-D71B-403D-B619-4FBE1F831DEA}">
-      <dgm:prSet/>
-      <dgm:spPr/>
-      <dgm:t>
-        <a:bodyPr/>
-        <a:lstStyle/>
-        <a:p>
-          <a:pPr>
-            <a:buFont typeface="Arial" panose="020B0604020202020204" pitchFamily="34" charset="0"/>
-            <a:buChar char="•"/>
-          </a:pPr>
-          <a:r>
-            <a:rPr lang="tr-TR" b="0" i="0" u="none">
-              <a:latin typeface="Ubuntu" panose="020B0504030602030204" pitchFamily="34" charset="0"/>
-            </a:rPr>
-            <a:t>Dictionary</a:t>
-          </a:r>
-        </a:p>
-      </dgm:t>
-    </dgm:pt>
-    <dgm:pt modelId="{75561502-6B8E-4C9B-8241-FD7815572A0F}" type="parTrans" cxnId="{C35CBC52-3125-40FD-AB2A-0B4CF664BED9}">
-      <dgm:prSet/>
-      <dgm:spPr/>
-      <dgm:t>
-        <a:bodyPr/>
-        <a:lstStyle/>
-        <a:p>
-          <a:endParaRPr lang="tr-TR">
-            <a:latin typeface="Ubuntu" panose="020B0504030602030204" pitchFamily="34" charset="0"/>
-          </a:endParaRPr>
-        </a:p>
-      </dgm:t>
-    </dgm:pt>
-    <dgm:pt modelId="{CABD63DE-B5D5-4167-B7A9-3148897C1AFD}" type="sibTrans" cxnId="{C35CBC52-3125-40FD-AB2A-0B4CF664BED9}">
       <dgm:prSet/>
       <dgm:spPr/>
       <dgm:t>
@@ -4188,6 +3670,516 @@
         </a:p>
       </dgm:t>
     </dgm:pt>
+    <dgm:pt modelId="{17D5B4E1-FA77-46B1-B776-6F0474FBF52F}">
+      <dgm:prSet custScaleX="123717"/>
+      <dgm:spPr/>
+      <dgm:t>
+        <a:bodyPr/>
+        <a:lstStyle/>
+        <a:p>
+          <a:pPr>
+            <a:buFont typeface="Arial" panose="020B0604020202020204" pitchFamily="34" charset="0"/>
+            <a:buChar char="•"/>
+          </a:pPr>
+          <a:r>
+            <a:rPr lang="tr-TR" b="0" i="0" u="none">
+              <a:latin typeface="Ubuntu" panose="020B0504030602030204" pitchFamily="34" charset="0"/>
+            </a:rPr>
+            <a:t>For Döngüsü</a:t>
+          </a:r>
+          <a:endParaRPr lang="tr-TR" b="0" i="0" u="none" dirty="0">
+            <a:latin typeface="Ubuntu" panose="020B0504030602030204" pitchFamily="34" charset="0"/>
+          </a:endParaRPr>
+        </a:p>
+      </dgm:t>
+    </dgm:pt>
+    <dgm:pt modelId="{63EAC8B3-B485-4A60-A994-17ADB6541045}" type="parTrans" cxnId="{3164A2C3-85FC-4B6D-B806-79FECC902BF7}">
+      <dgm:prSet/>
+      <dgm:spPr/>
+      <dgm:t>
+        <a:bodyPr/>
+        <a:lstStyle/>
+        <a:p>
+          <a:endParaRPr lang="tr-TR"/>
+        </a:p>
+      </dgm:t>
+    </dgm:pt>
+    <dgm:pt modelId="{DAFCC48E-B428-4156-B938-D0E62F8BF394}" type="sibTrans" cxnId="{3164A2C3-85FC-4B6D-B806-79FECC902BF7}">
+      <dgm:prSet/>
+      <dgm:spPr/>
+      <dgm:t>
+        <a:bodyPr/>
+        <a:lstStyle/>
+        <a:p>
+          <a:endParaRPr lang="tr-TR"/>
+        </a:p>
+      </dgm:t>
+    </dgm:pt>
+    <dgm:pt modelId="{937624B1-C173-4ED6-B1E8-D2C72EBC0EFC}">
+      <dgm:prSet/>
+      <dgm:spPr/>
+      <dgm:t>
+        <a:bodyPr/>
+        <a:lstStyle/>
+        <a:p>
+          <a:pPr>
+            <a:buFont typeface="Arial" panose="020B0604020202020204" pitchFamily="34" charset="0"/>
+            <a:buChar char="•"/>
+          </a:pPr>
+          <a:r>
+            <a:rPr lang="tr-TR" b="0" i="0" u="none" dirty="0" err="1">
+              <a:latin typeface="Ubuntu" panose="020B0504030602030204" pitchFamily="34" charset="0"/>
+            </a:rPr>
+            <a:t>While</a:t>
+          </a:r>
+          <a:r>
+            <a:rPr lang="tr-TR" b="0" i="0" u="none" dirty="0">
+              <a:latin typeface="Ubuntu" panose="020B0504030602030204" pitchFamily="34" charset="0"/>
+            </a:rPr>
+            <a:t> Döngüsü</a:t>
+          </a:r>
+        </a:p>
+      </dgm:t>
+    </dgm:pt>
+    <dgm:pt modelId="{E7C0DEC1-583D-4AF5-9C8D-14C173CF7123}" type="parTrans" cxnId="{CD581AE1-3D79-40F4-96F2-E385901BDF9E}">
+      <dgm:prSet/>
+      <dgm:spPr/>
+      <dgm:t>
+        <a:bodyPr/>
+        <a:lstStyle/>
+        <a:p>
+          <a:endParaRPr lang="tr-TR"/>
+        </a:p>
+      </dgm:t>
+    </dgm:pt>
+    <dgm:pt modelId="{2EF2AA0B-682F-418A-AC96-C8AF4F7F1F20}" type="sibTrans" cxnId="{CD581AE1-3D79-40F4-96F2-E385901BDF9E}">
+      <dgm:prSet/>
+      <dgm:spPr/>
+      <dgm:t>
+        <a:bodyPr/>
+        <a:lstStyle/>
+        <a:p>
+          <a:endParaRPr lang="tr-TR"/>
+        </a:p>
+      </dgm:t>
+    </dgm:pt>
+    <dgm:pt modelId="{B8D6EE68-EE4E-41C6-9912-4AA793DE4B2C}">
+      <dgm:prSet/>
+      <dgm:spPr/>
+      <dgm:t>
+        <a:bodyPr/>
+        <a:lstStyle/>
+        <a:p>
+          <a:pPr>
+            <a:buFont typeface="Arial" panose="020B0604020202020204" pitchFamily="34" charset="0"/>
+            <a:buChar char="•"/>
+          </a:pPr>
+          <a:r>
+            <a:rPr lang="tr-TR" b="0" i="0" u="none" dirty="0" err="1">
+              <a:latin typeface="Ubuntu" panose="020B0504030602030204" pitchFamily="34" charset="0"/>
+            </a:rPr>
+            <a:t>Range</a:t>
+          </a:r>
+          <a:r>
+            <a:rPr lang="tr-TR" b="0" i="0" u="none" dirty="0">
+              <a:latin typeface="Ubuntu" panose="020B0504030602030204" pitchFamily="34" charset="0"/>
+            </a:rPr>
+            <a:t> Fonksiyonu</a:t>
+          </a:r>
+        </a:p>
+      </dgm:t>
+    </dgm:pt>
+    <dgm:pt modelId="{73C79F48-A3D6-4DFE-9CC8-5DB9CE932764}" type="parTrans" cxnId="{3B89AB6D-5836-4FEA-818D-811FF722E3CE}">
+      <dgm:prSet/>
+      <dgm:spPr/>
+      <dgm:t>
+        <a:bodyPr/>
+        <a:lstStyle/>
+        <a:p>
+          <a:endParaRPr lang="tr-TR"/>
+        </a:p>
+      </dgm:t>
+    </dgm:pt>
+    <dgm:pt modelId="{DA9B7150-6121-4E20-ADF2-8918F62BFF59}" type="sibTrans" cxnId="{3B89AB6D-5836-4FEA-818D-811FF722E3CE}">
+      <dgm:prSet/>
+      <dgm:spPr/>
+      <dgm:t>
+        <a:bodyPr/>
+        <a:lstStyle/>
+        <a:p>
+          <a:endParaRPr lang="tr-TR"/>
+        </a:p>
+      </dgm:t>
+    </dgm:pt>
+    <dgm:pt modelId="{DD8558EF-98BF-48B4-BF6F-18892A6163AC}">
+      <dgm:prSet/>
+      <dgm:spPr/>
+      <dgm:t>
+        <a:bodyPr/>
+        <a:lstStyle/>
+        <a:p>
+          <a:pPr>
+            <a:buFont typeface="Arial" panose="020B0604020202020204" pitchFamily="34" charset="0"/>
+            <a:buChar char="•"/>
+          </a:pPr>
+          <a:r>
+            <a:rPr lang="en-US" b="0" i="0" u="none" dirty="0">
+              <a:latin typeface="Ubuntu" panose="020B0504030602030204" pitchFamily="34" charset="0"/>
+            </a:rPr>
+            <a:t>is </a:t>
+          </a:r>
+          <a:r>
+            <a:rPr lang="en-US" b="0" i="0" u="none" dirty="0" err="1">
+              <a:latin typeface="Ubuntu" panose="020B0504030602030204" pitchFamily="34" charset="0"/>
+            </a:rPr>
+            <a:t>ve</a:t>
+          </a:r>
+          <a:r>
+            <a:rPr lang="en-US" b="0" i="0" u="none" dirty="0">
+              <a:latin typeface="Ubuntu" panose="020B0504030602030204" pitchFamily="34" charset="0"/>
+            </a:rPr>
+            <a:t> is not </a:t>
+          </a:r>
+          <a:r>
+            <a:rPr lang="en-US" b="0" i="0" u="none" dirty="0" err="1">
+              <a:latin typeface="Ubuntu" panose="020B0504030602030204" pitchFamily="34" charset="0"/>
+            </a:rPr>
+            <a:t>Operatörü</a:t>
+          </a:r>
+          <a:endParaRPr lang="en-US" b="0" i="0" u="none" dirty="0">
+            <a:latin typeface="Ubuntu" panose="020B0504030602030204" pitchFamily="34" charset="0"/>
+          </a:endParaRPr>
+        </a:p>
+      </dgm:t>
+    </dgm:pt>
+    <dgm:pt modelId="{AA93E76A-826B-4469-9E93-C8899DA6F438}" type="parTrans" cxnId="{C46BC174-8315-4336-A1CA-5BF6CB2185C5}">
+      <dgm:prSet/>
+      <dgm:spPr/>
+      <dgm:t>
+        <a:bodyPr/>
+        <a:lstStyle/>
+        <a:p>
+          <a:endParaRPr lang="tr-TR"/>
+        </a:p>
+      </dgm:t>
+    </dgm:pt>
+    <dgm:pt modelId="{5825D854-FBCE-40BC-BB54-73C8F4CF9FEE}" type="sibTrans" cxnId="{C46BC174-8315-4336-A1CA-5BF6CB2185C5}">
+      <dgm:prSet/>
+      <dgm:spPr/>
+      <dgm:t>
+        <a:bodyPr/>
+        <a:lstStyle/>
+        <a:p>
+          <a:endParaRPr lang="tr-TR"/>
+        </a:p>
+      </dgm:t>
+    </dgm:pt>
+    <dgm:pt modelId="{BF131695-D067-4BEC-9A97-E9F87C8F8146}">
+      <dgm:prSet/>
+      <dgm:spPr/>
+      <dgm:t>
+        <a:bodyPr/>
+        <a:lstStyle/>
+        <a:p>
+          <a:pPr>
+            <a:buFont typeface="Arial" panose="020B0604020202020204" pitchFamily="34" charset="0"/>
+            <a:buChar char="•"/>
+          </a:pPr>
+          <a:r>
+            <a:rPr lang="tr-TR" b="0" i="0" u="none" dirty="0" err="1">
+              <a:latin typeface="Ubuntu" panose="020B0504030602030204" pitchFamily="34" charset="0"/>
+            </a:rPr>
+            <a:t>Continue</a:t>
+          </a:r>
+          <a:r>
+            <a:rPr lang="tr-TR" b="0" i="0" u="none" dirty="0">
+              <a:latin typeface="Ubuntu" panose="020B0504030602030204" pitchFamily="34" charset="0"/>
+            </a:rPr>
+            <a:t> deyimi</a:t>
+          </a:r>
+        </a:p>
+      </dgm:t>
+    </dgm:pt>
+    <dgm:pt modelId="{9C9BBA20-A8CA-4368-AE46-741536380A2E}" type="parTrans" cxnId="{B60B4BF8-23A8-4B4E-BD29-00A53827938E}">
+      <dgm:prSet/>
+      <dgm:spPr/>
+      <dgm:t>
+        <a:bodyPr/>
+        <a:lstStyle/>
+        <a:p>
+          <a:endParaRPr lang="tr-TR"/>
+        </a:p>
+      </dgm:t>
+    </dgm:pt>
+    <dgm:pt modelId="{FBE8D8A7-6186-48F5-8A60-688EFCBA4770}" type="sibTrans" cxnId="{B60B4BF8-23A8-4B4E-BD29-00A53827938E}">
+      <dgm:prSet/>
+      <dgm:spPr/>
+      <dgm:t>
+        <a:bodyPr/>
+        <a:lstStyle/>
+        <a:p>
+          <a:endParaRPr lang="tr-TR"/>
+        </a:p>
+      </dgm:t>
+    </dgm:pt>
+    <dgm:pt modelId="{9286E074-A638-4DD9-B515-2D7E1C1746FB}">
+      <dgm:prSet/>
+      <dgm:spPr/>
+      <dgm:t>
+        <a:bodyPr/>
+        <a:lstStyle/>
+        <a:p>
+          <a:pPr>
+            <a:buFont typeface="Arial" panose="020B0604020202020204" pitchFamily="34" charset="0"/>
+            <a:buChar char="•"/>
+          </a:pPr>
+          <a:r>
+            <a:rPr lang="tr-TR" b="0" i="0" u="none" dirty="0">
+              <a:latin typeface="Ubuntu" panose="020B0504030602030204" pitchFamily="34" charset="0"/>
+            </a:rPr>
+            <a:t>Break deyimi</a:t>
+          </a:r>
+        </a:p>
+      </dgm:t>
+    </dgm:pt>
+    <dgm:pt modelId="{671C249B-74E1-4DAC-B8A7-963B39DDC484}" type="parTrans" cxnId="{347793EB-5101-49E9-85FC-FE8C9A4654DF}">
+      <dgm:prSet/>
+      <dgm:spPr/>
+      <dgm:t>
+        <a:bodyPr/>
+        <a:lstStyle/>
+        <a:p>
+          <a:endParaRPr lang="tr-TR"/>
+        </a:p>
+      </dgm:t>
+    </dgm:pt>
+    <dgm:pt modelId="{AB5DA094-AAE0-42DE-9D13-2C6C0B6AF8D5}" type="sibTrans" cxnId="{347793EB-5101-49E9-85FC-FE8C9A4654DF}">
+      <dgm:prSet/>
+      <dgm:spPr/>
+      <dgm:t>
+        <a:bodyPr/>
+        <a:lstStyle/>
+        <a:p>
+          <a:endParaRPr lang="tr-TR"/>
+        </a:p>
+      </dgm:t>
+    </dgm:pt>
+    <dgm:pt modelId="{EDA8635F-5B5B-41CA-A026-0533F2958B01}">
+      <dgm:prSet/>
+      <dgm:spPr/>
+      <dgm:t>
+        <a:bodyPr/>
+        <a:lstStyle/>
+        <a:p>
+          <a:pPr>
+            <a:buFont typeface="Arial" panose="020B0604020202020204" pitchFamily="34" charset="0"/>
+            <a:buChar char="•"/>
+          </a:pPr>
+          <a:r>
+            <a:rPr lang="tr-TR" b="0" i="0" u="none" dirty="0">
+              <a:latin typeface="Ubuntu" panose="020B0504030602030204" pitchFamily="34" charset="0"/>
+            </a:rPr>
+            <a:t>İç İçe Döngüler</a:t>
+          </a:r>
+        </a:p>
+      </dgm:t>
+    </dgm:pt>
+    <dgm:pt modelId="{2139D260-4CD7-468B-89E1-3F6BB0EDD6FD}" type="parTrans" cxnId="{32828F38-AE7E-44CA-AFC7-E79A72BD5C19}">
+      <dgm:prSet/>
+      <dgm:spPr/>
+      <dgm:t>
+        <a:bodyPr/>
+        <a:lstStyle/>
+        <a:p>
+          <a:endParaRPr lang="tr-TR"/>
+        </a:p>
+      </dgm:t>
+    </dgm:pt>
+    <dgm:pt modelId="{A477C7E0-00C1-4270-9656-0683791B4FB8}" type="sibTrans" cxnId="{32828F38-AE7E-44CA-AFC7-E79A72BD5C19}">
+      <dgm:prSet/>
+      <dgm:spPr/>
+      <dgm:t>
+        <a:bodyPr/>
+        <a:lstStyle/>
+        <a:p>
+          <a:endParaRPr lang="tr-TR"/>
+        </a:p>
+      </dgm:t>
+    </dgm:pt>
+    <dgm:pt modelId="{530A0356-FFE6-4F8B-BDE1-05266DFA3480}">
+      <dgm:prSet/>
+      <dgm:spPr/>
+      <dgm:t>
+        <a:bodyPr/>
+        <a:lstStyle/>
+        <a:p>
+          <a:pPr>
+            <a:buFont typeface="Arial" panose="020B0604020202020204" pitchFamily="34" charset="0"/>
+            <a:buChar char="•"/>
+          </a:pPr>
+          <a:r>
+            <a:rPr lang="tr-TR" b="0" i="0" u="none">
+              <a:latin typeface="Ubuntu" panose="020B0504030602030204" pitchFamily="34" charset="0"/>
+            </a:rPr>
+            <a:t>Listeler</a:t>
+          </a:r>
+          <a:endParaRPr lang="tr-TR" b="0" i="0" u="none" dirty="0">
+            <a:latin typeface="Ubuntu" panose="020B0504030602030204" pitchFamily="34" charset="0"/>
+          </a:endParaRPr>
+        </a:p>
+      </dgm:t>
+    </dgm:pt>
+    <dgm:pt modelId="{6CDE0BD4-6E65-40F7-BB78-D433022F47CE}" type="parTrans" cxnId="{CBF099E4-47F8-4045-B2DD-326F6350C983}">
+      <dgm:prSet/>
+      <dgm:spPr/>
+      <dgm:t>
+        <a:bodyPr/>
+        <a:lstStyle/>
+        <a:p>
+          <a:endParaRPr lang="tr-TR"/>
+        </a:p>
+      </dgm:t>
+    </dgm:pt>
+    <dgm:pt modelId="{DD7A24F1-6436-4006-BEF9-BAFD2335A522}" type="sibTrans" cxnId="{CBF099E4-47F8-4045-B2DD-326F6350C983}">
+      <dgm:prSet/>
+      <dgm:spPr/>
+      <dgm:t>
+        <a:bodyPr/>
+        <a:lstStyle/>
+        <a:p>
+          <a:endParaRPr lang="tr-TR"/>
+        </a:p>
+      </dgm:t>
+    </dgm:pt>
+    <dgm:pt modelId="{77DF38CD-CB7B-42DD-895C-DDA9BB48380C}">
+      <dgm:prSet/>
+      <dgm:spPr/>
+      <dgm:t>
+        <a:bodyPr/>
+        <a:lstStyle/>
+        <a:p>
+          <a:pPr>
+            <a:buFont typeface="Arial" panose="020B0604020202020204" pitchFamily="34" charset="0"/>
+            <a:buChar char="•"/>
+          </a:pPr>
+          <a:r>
+            <a:rPr lang="tr-TR" b="0" i="0" u="none" dirty="0" err="1">
+              <a:latin typeface="Ubuntu" panose="020B0504030602030204" pitchFamily="34" charset="0"/>
+            </a:rPr>
+            <a:t>Tuple</a:t>
+          </a:r>
+          <a:endParaRPr lang="tr-TR" b="0" i="0" u="none" dirty="0">
+            <a:latin typeface="Ubuntu" panose="020B0504030602030204" pitchFamily="34" charset="0"/>
+          </a:endParaRPr>
+        </a:p>
+      </dgm:t>
+    </dgm:pt>
+    <dgm:pt modelId="{C9E1F909-AD0E-4330-95DA-5F2EEEFAE48F}" type="parTrans" cxnId="{476AB7D9-F2CB-4F3A-B6B4-A696665FEBBF}">
+      <dgm:prSet/>
+      <dgm:spPr/>
+      <dgm:t>
+        <a:bodyPr/>
+        <a:lstStyle/>
+        <a:p>
+          <a:endParaRPr lang="tr-TR"/>
+        </a:p>
+      </dgm:t>
+    </dgm:pt>
+    <dgm:pt modelId="{93FED086-94AE-462A-9923-9418DE5F0336}" type="sibTrans" cxnId="{476AB7D9-F2CB-4F3A-B6B4-A696665FEBBF}">
+      <dgm:prSet/>
+      <dgm:spPr/>
+      <dgm:t>
+        <a:bodyPr/>
+        <a:lstStyle/>
+        <a:p>
+          <a:endParaRPr lang="tr-TR"/>
+        </a:p>
+      </dgm:t>
+    </dgm:pt>
+    <dgm:pt modelId="{B12D7E97-0A29-410A-A091-EF515E1AEE26}">
+      <dgm:prSet/>
+      <dgm:spPr/>
+      <dgm:t>
+        <a:bodyPr/>
+        <a:lstStyle/>
+        <a:p>
+          <a:pPr>
+            <a:buFont typeface="Arial" panose="020B0604020202020204" pitchFamily="34" charset="0"/>
+            <a:buChar char="•"/>
+          </a:pPr>
+          <a:r>
+            <a:rPr lang="tr-TR" b="0" i="0" u="none" dirty="0">
+              <a:latin typeface="Ubuntu" panose="020B0504030602030204" pitchFamily="34" charset="0"/>
+            </a:rPr>
+            <a:t>Set</a:t>
+          </a:r>
+        </a:p>
+      </dgm:t>
+    </dgm:pt>
+    <dgm:pt modelId="{ED82E621-69B5-424E-A675-EC9C083D2A7C}" type="parTrans" cxnId="{71A5B089-0522-4A27-9F05-1AFE32F920BA}">
+      <dgm:prSet/>
+      <dgm:spPr/>
+      <dgm:t>
+        <a:bodyPr/>
+        <a:lstStyle/>
+        <a:p>
+          <a:endParaRPr lang="tr-TR"/>
+        </a:p>
+      </dgm:t>
+    </dgm:pt>
+    <dgm:pt modelId="{FA21CE53-02E8-427D-B6CA-49EE7720395E}" type="sibTrans" cxnId="{71A5B089-0522-4A27-9F05-1AFE32F920BA}">
+      <dgm:prSet/>
+      <dgm:spPr/>
+      <dgm:t>
+        <a:bodyPr/>
+        <a:lstStyle/>
+        <a:p>
+          <a:endParaRPr lang="tr-TR"/>
+        </a:p>
+      </dgm:t>
+    </dgm:pt>
+    <dgm:pt modelId="{46E28CEC-1814-4C50-B247-CC7EC84F4017}">
+      <dgm:prSet/>
+      <dgm:spPr/>
+      <dgm:t>
+        <a:bodyPr/>
+        <a:lstStyle/>
+        <a:p>
+          <a:pPr>
+            <a:buFont typeface="Arial" panose="020B0604020202020204" pitchFamily="34" charset="0"/>
+            <a:buChar char="•"/>
+          </a:pPr>
+          <a:r>
+            <a:rPr lang="tr-TR" b="0" i="0" u="none" dirty="0">
+              <a:latin typeface="Ubuntu" panose="020B0504030602030204" pitchFamily="34" charset="0"/>
+            </a:rPr>
+            <a:t>Dictionary</a:t>
+          </a:r>
+        </a:p>
+      </dgm:t>
+    </dgm:pt>
+    <dgm:pt modelId="{3A0E315E-40E9-46D6-BEA5-43FDCD4F93B7}" type="parTrans" cxnId="{98F323EC-256C-400A-B25F-AAC953E39DC3}">
+      <dgm:prSet/>
+      <dgm:spPr/>
+      <dgm:t>
+        <a:bodyPr/>
+        <a:lstStyle/>
+        <a:p>
+          <a:endParaRPr lang="tr-TR"/>
+        </a:p>
+      </dgm:t>
+    </dgm:pt>
+    <dgm:pt modelId="{201312D1-BE96-41AF-ADB8-4924B01920FB}" type="sibTrans" cxnId="{98F323EC-256C-400A-B25F-AAC953E39DC3}">
+      <dgm:prSet/>
+      <dgm:spPr/>
+      <dgm:t>
+        <a:bodyPr/>
+        <a:lstStyle/>
+        <a:p>
+          <a:endParaRPr lang="tr-TR"/>
+        </a:p>
+      </dgm:t>
+    </dgm:pt>
     <dgm:pt modelId="{EA3B396C-31A3-48BF-89F5-15F6FFF19DDA}" type="pres">
       <dgm:prSet presAssocID="{90746D7C-F80B-4664-8B7A-EC25FF1E0FB2}" presName="Name0" presStyleCnt="0">
         <dgm:presLayoutVars>
@@ -4229,7 +4221,7 @@
       <dgm:spPr/>
     </dgm:pt>
     <dgm:pt modelId="{2E98E042-C7A0-4572-88B9-C7CE47D55222}" type="pres">
-      <dgm:prSet presAssocID="{13E119C4-4356-41DF-9005-64A59449D563}" presName="parTx" presStyleLbl="alignNode1" presStyleIdx="1" presStyleCnt="5">
+      <dgm:prSet presAssocID="{13E119C4-4356-41DF-9005-64A59449D563}" presName="parTx" presStyleLbl="alignNode1" presStyleIdx="1" presStyleCnt="5" custScaleX="125074">
         <dgm:presLayoutVars>
           <dgm:chMax val="0"/>
           <dgm:chPref val="0"/>
@@ -4239,7 +4231,7 @@
       <dgm:spPr/>
     </dgm:pt>
     <dgm:pt modelId="{3224729F-2CDC-4BDF-A370-7E6539627B4F}" type="pres">
-      <dgm:prSet presAssocID="{13E119C4-4356-41DF-9005-64A59449D563}" presName="desTx" presStyleLbl="alignAccFollowNode1" presStyleIdx="1" presStyleCnt="5">
+      <dgm:prSet presAssocID="{13E119C4-4356-41DF-9005-64A59449D563}" presName="desTx" presStyleLbl="alignAccFollowNode1" presStyleIdx="1" presStyleCnt="5" custScaleX="123717">
         <dgm:presLayoutVars>
           <dgm:bulletEnabled val="1"/>
         </dgm:presLayoutVars>
@@ -4326,51 +4318,51 @@
     </dgm:pt>
   </dgm:ptLst>
   <dgm:cxnLst>
-    <dgm:cxn modelId="{89560601-4B7A-4632-9EC3-D24DE71533C9}" type="presOf" srcId="{18AE7D1A-0B7A-4D6E-9FB7-1D17AE520028}" destId="{2C46DCE3-5A97-48F3-BB5F-54E90F6DA155}" srcOrd="0" destOrd="6" presId="urn:microsoft.com/office/officeart/2005/8/layout/hList1"/>
-    <dgm:cxn modelId="{5F0BB20C-958D-4FEA-9C50-14FAFE65814D}" srcId="{91660F3B-91B6-408A-80FB-FDBDC085BB7A}" destId="{7208A861-B130-439D-92DD-CE78718B3096}" srcOrd="4" destOrd="0" parTransId="{0AC51AAD-24BD-4B66-BAFC-859C7FFF4F21}" sibTransId="{B91B4B1B-61A7-486E-B7A2-2EBEA7C88AC5}"/>
+    <dgm:cxn modelId="{E1F6C40A-8C14-4B17-B74C-68E48069B1B1}" type="presOf" srcId="{B12D7E97-0A29-410A-A091-EF515E1AEE26}" destId="{2C46DCE3-5A97-48F3-BB5F-54E90F6DA155}" srcOrd="0" destOrd="2" presId="urn:microsoft.com/office/officeart/2005/8/layout/hList1"/>
     <dgm:cxn modelId="{EE4EA216-6F63-4AA5-BEE0-743C8A7FBBD6}" srcId="{85F9BBF5-DB6B-4C8E-9186-4EA50E162F49}" destId="{2216B1D5-6202-4A9F-ADFD-7157473CBE5A}" srcOrd="0" destOrd="0" parTransId="{B216AA0B-846E-48E6-9416-2A72195E7391}" sibTransId="{CC5233F8-D4C5-4FC7-BAD3-D03FDA10966E}"/>
     <dgm:cxn modelId="{5E750F1E-4369-427F-923B-66F1A194ECE9}" srcId="{6974FFC3-0357-403B-AA99-4364DB879E27}" destId="{99FBD916-227E-442F-9E91-58418D111F10}" srcOrd="0" destOrd="0" parTransId="{72E3F252-CD41-4D87-9361-E81F898449C7}" sibTransId="{34D2E02C-16B2-42BD-81CD-9EB6D7045623}"/>
+    <dgm:cxn modelId="{EF24931E-8C6A-4CF8-A5E5-71D5225F1C59}" type="presOf" srcId="{77DF38CD-CB7B-42DD-895C-DDA9BB48380C}" destId="{2C46DCE3-5A97-48F3-BB5F-54E90F6DA155}" srcOrd="0" destOrd="1" presId="urn:microsoft.com/office/officeart/2005/8/layout/hList1"/>
+    <dgm:cxn modelId="{A948C721-E526-4867-A38C-5C89B513F1FE}" type="presOf" srcId="{9286E074-A638-4DD9-B515-2D7E1C1746FB}" destId="{3224729F-2CDC-4BDF-A370-7E6539627B4F}" srcOrd="0" destOrd="5" presId="urn:microsoft.com/office/officeart/2005/8/layout/hList1"/>
     <dgm:cxn modelId="{44FD3022-9D99-4487-99B9-F62989E25542}" srcId="{950F9C55-D22B-4828-8537-A8CE5BE69A7F}" destId="{712903D7-BCA6-4AB0-B6BB-C8EDD964C17B}" srcOrd="0" destOrd="0" parTransId="{A63D4AB2-A071-47AF-A794-63701DCFDE9C}" sibTransId="{851C1B39-C0FB-46C2-9022-D07C59A95AE7}"/>
-    <dgm:cxn modelId="{7F386A2F-6094-472D-B6E0-BE24E467C67F}" type="presOf" srcId="{3527FF6D-3394-4534-B80C-84A76B5B1CE2}" destId="{3224729F-2CDC-4BDF-A370-7E6539627B4F}" srcOrd="0" destOrd="0" presId="urn:microsoft.com/office/officeart/2005/8/layout/hList1"/>
-    <dgm:cxn modelId="{9A075A36-001D-4D2C-87CF-0712A6FADFAC}" type="presOf" srcId="{256EF59D-2CA6-407D-A828-C9C5F0D54886}" destId="{2C46DCE3-5A97-48F3-BB5F-54E90F6DA155}" srcOrd="0" destOrd="1" presId="urn:microsoft.com/office/officeart/2005/8/layout/hList1"/>
-    <dgm:cxn modelId="{5AA1EA37-20FE-42D5-8A90-E72479686B14}" type="presOf" srcId="{B18F4FD8-D5FC-4CBA-ACD6-004B74A82CB8}" destId="{3224729F-2CDC-4BDF-A370-7E6539627B4F}" srcOrd="0" destOrd="2" presId="urn:microsoft.com/office/officeart/2005/8/layout/hList1"/>
+    <dgm:cxn modelId="{A19DE72A-A611-4F3A-A049-F756879CE428}" type="presOf" srcId="{DD8558EF-98BF-48B4-BF6F-18892A6163AC}" destId="{3224729F-2CDC-4BDF-A370-7E6539627B4F}" srcOrd="0" destOrd="3" presId="urn:microsoft.com/office/officeart/2005/8/layout/hList1"/>
+    <dgm:cxn modelId="{32828F38-AE7E-44CA-AFC7-E79A72BD5C19}" srcId="{13E119C4-4356-41DF-9005-64A59449D563}" destId="{EDA8635F-5B5B-41CA-A026-0533F2958B01}" srcOrd="6" destOrd="0" parTransId="{2139D260-4CD7-468B-89E1-3F6BB0EDD6FD}" sibTransId="{A477C7E0-00C1-4270-9656-0683791B4FB8}"/>
     <dgm:cxn modelId="{4BD3043A-0F63-4D7D-89D2-36ED8BCF67BA}" srcId="{90746D7C-F80B-4664-8B7A-EC25FF1E0FB2}" destId="{91660F3B-91B6-408A-80FB-FDBDC085BB7A}" srcOrd="0" destOrd="0" parTransId="{B90FB7FA-A684-40CC-AAA2-040B441C4FC2}" sibTransId="{C5EE47F8-EE1B-405A-8B83-EB6A0626D746}"/>
-    <dgm:cxn modelId="{95F1AE3A-164E-42CE-AB4E-93CA3676BE81}" type="presOf" srcId="{80BAD949-D71B-403D-B619-4FBE1F831DEA}" destId="{3224729F-2CDC-4BDF-A370-7E6539627B4F}" srcOrd="0" destOrd="3" presId="urn:microsoft.com/office/officeart/2005/8/layout/hList1"/>
     <dgm:cxn modelId="{44E3513B-279F-477F-86DC-5B4FC519BE42}" type="presOf" srcId="{712903D7-BCA6-4AB0-B6BB-C8EDD964C17B}" destId="{FB41FF61-ABBB-4409-BAE3-5992457187F1}" srcOrd="0" destOrd="0" presId="urn:microsoft.com/office/officeart/2005/8/layout/hList1"/>
-    <dgm:cxn modelId="{66AF1440-D349-4FF1-ADD6-EBA52817896E}" type="presOf" srcId="{E104C03A-9132-4112-97C0-8DC15E006167}" destId="{3224729F-2CDC-4BDF-A370-7E6539627B4F}" srcOrd="0" destOrd="1" presId="urn:microsoft.com/office/officeart/2005/8/layout/hList1"/>
     <dgm:cxn modelId="{C92F675D-8230-4FF1-B8CF-85EB4CD5F8CF}" srcId="{90746D7C-F80B-4664-8B7A-EC25FF1E0FB2}" destId="{85F9BBF5-DB6B-4C8E-9186-4EA50E162F49}" srcOrd="2" destOrd="0" parTransId="{43B45707-4E65-4D1B-B292-C8625BBD02E1}" sibTransId="{1724D378-2274-4956-8E02-8D0865515BE5}"/>
     <dgm:cxn modelId="{28F90E65-7191-4E95-8ADB-842A56E3DB91}" type="presOf" srcId="{950F9C55-D22B-4828-8537-A8CE5BE69A7F}" destId="{FB55A29C-B266-4E0D-9F39-8D6FC0AD6A53}" srcOrd="0" destOrd="0" presId="urn:microsoft.com/office/officeart/2005/8/layout/hList1"/>
-    <dgm:cxn modelId="{7488CE48-1B87-4CAB-867F-7988B5E8AF28}" srcId="{13E119C4-4356-41DF-9005-64A59449D563}" destId="{E104C03A-9132-4112-97C0-8DC15E006167}" srcOrd="1" destOrd="0" parTransId="{531B6B7A-1E94-45E0-B7DD-9F0CBFDE87FF}" sibTransId="{3F7EE87D-CB94-4633-A50B-14C94C2E6AD2}"/>
+    <dgm:cxn modelId="{6E826B65-43C2-4D05-8AA5-0A3B6A14FA3F}" type="presOf" srcId="{937624B1-C173-4ED6-B1E8-D2C72EBC0EFC}" destId="{3224729F-2CDC-4BDF-A370-7E6539627B4F}" srcOrd="0" destOrd="1" presId="urn:microsoft.com/office/officeart/2005/8/layout/hList1"/>
+    <dgm:cxn modelId="{1DA98567-B3B0-4A0E-AB5C-9D40A36593BF}" type="presOf" srcId="{BF131695-D067-4BEC-9A97-E9F87C8F8146}" destId="{3224729F-2CDC-4BDF-A370-7E6539627B4F}" srcOrd="0" destOrd="4" presId="urn:microsoft.com/office/officeart/2005/8/layout/hList1"/>
+    <dgm:cxn modelId="{4BABCB48-C59E-4A1A-9FB5-66BDDADD2C18}" type="presOf" srcId="{EDA8635F-5B5B-41CA-A026-0533F2958B01}" destId="{3224729F-2CDC-4BDF-A370-7E6539627B4F}" srcOrd="0" destOrd="6" presId="urn:microsoft.com/office/officeart/2005/8/layout/hList1"/>
+    <dgm:cxn modelId="{CB889569-03CA-4684-B984-1EE29C078A33}" type="presOf" srcId="{530A0356-FFE6-4F8B-BDE1-05266DFA3480}" destId="{2C46DCE3-5A97-48F3-BB5F-54E90F6DA155}" srcOrd="0" destOrd="0" presId="urn:microsoft.com/office/officeart/2005/8/layout/hList1"/>
     <dgm:cxn modelId="{72BBD54B-55F5-4DE2-895A-DB6B2B81CF9D}" srcId="{90746D7C-F80B-4664-8B7A-EC25FF1E0FB2}" destId="{13E119C4-4356-41DF-9005-64A59449D563}" srcOrd="1" destOrd="0" parTransId="{A72D5F88-D78D-48B4-B1D5-0A0ED8EB8750}" sibTransId="{F325DDFE-4D68-4F7D-80B0-7DE40DE70B0E}"/>
-    <dgm:cxn modelId="{B8274D6D-1D00-4C86-A885-A6000B7A5641}" srcId="{13E119C4-4356-41DF-9005-64A59449D563}" destId="{3527FF6D-3394-4534-B80C-84A76B5B1CE2}" srcOrd="0" destOrd="0" parTransId="{B06A6CC6-A379-4097-A74E-2D0A8CBC6F92}" sibTransId="{5CFC4DC9-205A-4BCF-BFFE-E070F84B0867}"/>
-    <dgm:cxn modelId="{238C9171-617B-4915-8A1E-865F75A6047F}" type="presOf" srcId="{265B4075-0BB3-42AE-85B8-A47ABAF2785C}" destId="{2C46DCE3-5A97-48F3-BB5F-54E90F6DA155}" srcOrd="0" destOrd="2" presId="urn:microsoft.com/office/officeart/2005/8/layout/hList1"/>
-    <dgm:cxn modelId="{D3D1B671-2E96-42DC-9482-CDD38065C9D4}" srcId="{91660F3B-91B6-408A-80FB-FDBDC085BB7A}" destId="{18AE7D1A-0B7A-4D6E-9FB7-1D17AE520028}" srcOrd="6" destOrd="0" parTransId="{2F9D3CC8-174E-4137-A073-69FAA4C4B74F}" sibTransId="{52004A70-DF63-420C-8A56-92A043FAC5B9}"/>
-    <dgm:cxn modelId="{C35CBC52-3125-40FD-AB2A-0B4CF664BED9}" srcId="{13E119C4-4356-41DF-9005-64A59449D563}" destId="{80BAD949-D71B-403D-B619-4FBE1F831DEA}" srcOrd="3" destOrd="0" parTransId="{75561502-6B8E-4C9B-8241-FD7815572A0F}" sibTransId="{CABD63DE-B5D5-4167-B7A9-3148897C1AFD}"/>
-    <dgm:cxn modelId="{13FA3773-DCB8-4CE5-AE31-3EAFD5007719}" srcId="{91660F3B-91B6-408A-80FB-FDBDC085BB7A}" destId="{265B4075-0BB3-42AE-85B8-A47ABAF2785C}" srcOrd="2" destOrd="0" parTransId="{C35B132A-632F-4DA4-ADB9-7A0813DF8130}" sibTransId="{3FB85B54-44CB-4F16-ADEB-F46CE9863993}"/>
-    <dgm:cxn modelId="{7C625257-8DE0-408E-A0C3-72A3F4496AB9}" srcId="{91660F3B-91B6-408A-80FB-FDBDC085BB7A}" destId="{256EF59D-2CA6-407D-A828-C9C5F0D54886}" srcOrd="1" destOrd="0" parTransId="{12A9A19D-55D1-4B67-B0C5-5667BB6ED35C}" sibTransId="{398F89CA-191E-47F8-9021-D145C991BF8D}"/>
+    <dgm:cxn modelId="{3B89AB6D-5836-4FEA-818D-811FF722E3CE}" srcId="{13E119C4-4356-41DF-9005-64A59449D563}" destId="{B8D6EE68-EE4E-41C6-9912-4AA793DE4B2C}" srcOrd="2" destOrd="0" parTransId="{73C79F48-A3D6-4DFE-9CC8-5DB9CE932764}" sibTransId="{DA9B7150-6121-4E20-ADF2-8918F62BFF59}"/>
+    <dgm:cxn modelId="{E1F7F54E-7324-401D-A404-08CFE9AAEB2F}" type="presOf" srcId="{B8D6EE68-EE4E-41C6-9912-4AA793DE4B2C}" destId="{3224729F-2CDC-4BDF-A370-7E6539627B4F}" srcOrd="0" destOrd="2" presId="urn:microsoft.com/office/officeart/2005/8/layout/hList1"/>
+    <dgm:cxn modelId="{C46BC174-8315-4336-A1CA-5BF6CB2185C5}" srcId="{13E119C4-4356-41DF-9005-64A59449D563}" destId="{DD8558EF-98BF-48B4-BF6F-18892A6163AC}" srcOrd="3" destOrd="0" parTransId="{AA93E76A-826B-4469-9E93-C8899DA6F438}" sibTransId="{5825D854-FBCE-40BC-BB54-73C8F4CF9FEE}"/>
     <dgm:cxn modelId="{3223EE57-AFA7-46BE-B6E9-BDCCC8EAEAAE}" type="presOf" srcId="{85F9BBF5-DB6B-4C8E-9186-4EA50E162F49}" destId="{607E8336-80F0-4481-AEA3-71880C81D01D}" srcOrd="0" destOrd="0" presId="urn:microsoft.com/office/officeart/2005/8/layout/hList1"/>
+    <dgm:cxn modelId="{4E3B1359-B49E-48D8-A347-3F2F06CA0A77}" type="presOf" srcId="{46E28CEC-1814-4C50-B247-CC7EC84F4017}" destId="{2C46DCE3-5A97-48F3-BB5F-54E90F6DA155}" srcOrd="0" destOrd="3" presId="urn:microsoft.com/office/officeart/2005/8/layout/hList1"/>
     <dgm:cxn modelId="{EC697680-0847-4B4E-BD91-416BCFD3C4FA}" type="presOf" srcId="{13E119C4-4356-41DF-9005-64A59449D563}" destId="{2E98E042-C7A0-4572-88B9-C7CE47D55222}" srcOrd="0" destOrd="0" presId="urn:microsoft.com/office/officeart/2005/8/layout/hList1"/>
     <dgm:cxn modelId="{456FF788-0F1B-469A-8D72-AC55CB1C9287}" type="presOf" srcId="{BE0CAE3C-007A-462B-980A-B6B439C5C5CA}" destId="{BD554669-901F-43AB-81A8-595E3F6F598F}" srcOrd="0" destOrd="1" presId="urn:microsoft.com/office/officeart/2005/8/layout/hList1"/>
+    <dgm:cxn modelId="{71A5B089-0522-4A27-9F05-1AFE32F920BA}" srcId="{91660F3B-91B6-408A-80FB-FDBDC085BB7A}" destId="{B12D7E97-0A29-410A-A091-EF515E1AEE26}" srcOrd="2" destOrd="0" parTransId="{ED82E621-69B5-424E-A675-EC9C083D2A7C}" sibTransId="{FA21CE53-02E8-427D-B6CA-49EE7720395E}"/>
     <dgm:cxn modelId="{608F2093-1425-41A6-92EC-CB4137427DEE}" type="presOf" srcId="{99FBD916-227E-442F-9E91-58418D111F10}" destId="{BD554669-901F-43AB-81A8-595E3F6F598F}" srcOrd="0" destOrd="0" presId="urn:microsoft.com/office/officeart/2005/8/layout/hList1"/>
-    <dgm:cxn modelId="{47D23C9D-8F7F-4F45-A700-21EBEB81B3DA}" type="presOf" srcId="{5EA97463-1F0C-4C58-85CF-43D883ADF213}" destId="{2C46DCE3-5A97-48F3-BB5F-54E90F6DA155}" srcOrd="0" destOrd="3" presId="urn:microsoft.com/office/officeart/2005/8/layout/hList1"/>
     <dgm:cxn modelId="{E3BFF9A0-62D9-4306-B8FA-2FA51DD50839}" type="presOf" srcId="{7AE2F08E-5AEE-4E44-A8C6-E423D2B25ABE}" destId="{1A3B2050-D053-4091-965F-9A233C04D958}" srcOrd="0" destOrd="1" presId="urn:microsoft.com/office/officeart/2005/8/layout/hList1"/>
-    <dgm:cxn modelId="{917E12A8-1E45-4ABD-ABF9-19CC598651F8}" type="presOf" srcId="{2C8F0B52-C56D-4697-A631-79C934D88B58}" destId="{2C46DCE3-5A97-48F3-BB5F-54E90F6DA155}" srcOrd="0" destOrd="0" presId="urn:microsoft.com/office/officeart/2005/8/layout/hList1"/>
     <dgm:cxn modelId="{54F358AA-8FEA-46A3-BBA8-662403734D0A}" srcId="{950F9C55-D22B-4828-8537-A8CE5BE69A7F}" destId="{48FAE941-5E56-4607-9683-871F6998F64A}" srcOrd="1" destOrd="0" parTransId="{1C8EBD4B-FF33-4EAE-B60A-82D6F35E3314}" sibTransId="{C3EC1426-1770-40BE-8837-A860E4E4CFFD}"/>
     <dgm:cxn modelId="{D2793EAC-97AE-48AD-B45F-C226BA1A7137}" srcId="{6974FFC3-0357-403B-AA99-4364DB879E27}" destId="{BE0CAE3C-007A-462B-980A-B6B439C5C5CA}" srcOrd="1" destOrd="0" parTransId="{E272A2D5-9A24-43E9-8E11-6BFBE9423345}" sibTransId="{A93315DE-B72A-494B-9C4B-8B9E599F86F3}"/>
     <dgm:cxn modelId="{96BC81AC-BC72-44FC-88E3-8F5BF74B4782}" type="presOf" srcId="{48FAE941-5E56-4607-9683-871F6998F64A}" destId="{FB41FF61-ABBB-4409-BAE3-5992457187F1}" srcOrd="0" destOrd="1" presId="urn:microsoft.com/office/officeart/2005/8/layout/hList1"/>
     <dgm:cxn modelId="{2025B3AF-461F-4FC2-9F69-C17B59C31C51}" srcId="{90746D7C-F80B-4664-8B7A-EC25FF1E0FB2}" destId="{950F9C55-D22B-4828-8537-A8CE5BE69A7F}" srcOrd="3" destOrd="0" parTransId="{7E263B0F-3D12-404A-B655-0770E76E0FC8}" sibTransId="{CCBA79B2-6B57-4444-A253-4C567EAC76DC}"/>
-    <dgm:cxn modelId="{279C71BE-8F86-4432-B234-AB248E9B22A0}" srcId="{91660F3B-91B6-408A-80FB-FDBDC085BB7A}" destId="{5EA97463-1F0C-4C58-85CF-43D883ADF213}" srcOrd="3" destOrd="0" parTransId="{BA9756FC-E880-4333-9234-407F29CB901F}" sibTransId="{70D6E9A7-11F9-4F54-973F-CF3A4CC7A522}"/>
-    <dgm:cxn modelId="{E58A30BF-41A3-40F8-948E-213A1331BE28}" type="presOf" srcId="{4BEDD588-FF97-4926-9D50-6DF5DD8C365A}" destId="{2C46DCE3-5A97-48F3-BB5F-54E90F6DA155}" srcOrd="0" destOrd="5" presId="urn:microsoft.com/office/officeart/2005/8/layout/hList1"/>
     <dgm:cxn modelId="{F3A28DC0-9DF2-48E6-BAC2-C8F6FDEEF413}" type="presOf" srcId="{90746D7C-F80B-4664-8B7A-EC25FF1E0FB2}" destId="{EA3B396C-31A3-48BF-89F5-15F6FFF19DDA}" srcOrd="0" destOrd="0" presId="urn:microsoft.com/office/officeart/2005/8/layout/hList1"/>
-    <dgm:cxn modelId="{842530C9-C5C6-4CA7-B609-FE48DBA27EC8}" type="presOf" srcId="{7208A861-B130-439D-92DD-CE78718B3096}" destId="{2C46DCE3-5A97-48F3-BB5F-54E90F6DA155}" srcOrd="0" destOrd="4" presId="urn:microsoft.com/office/officeart/2005/8/layout/hList1"/>
-    <dgm:cxn modelId="{7D4167D8-BAF2-4A2A-878A-4E5F11B3702E}" srcId="{91660F3B-91B6-408A-80FB-FDBDC085BB7A}" destId="{4BEDD588-FF97-4926-9D50-6DF5DD8C365A}" srcOrd="5" destOrd="0" parTransId="{A2192474-C6AD-487A-8E90-FFB8AAD7EFFF}" sibTransId="{D85B613D-C4D5-4DA3-8B4A-C92B0E15954F}"/>
+    <dgm:cxn modelId="{3164A2C3-85FC-4B6D-B806-79FECC902BF7}" srcId="{13E119C4-4356-41DF-9005-64A59449D563}" destId="{17D5B4E1-FA77-46B1-B776-6F0474FBF52F}" srcOrd="0" destOrd="0" parTransId="{63EAC8B3-B485-4A60-A994-17ADB6541045}" sibTransId="{DAFCC48E-B428-4156-B938-D0E62F8BF394}"/>
     <dgm:cxn modelId="{046E79D8-CBA8-4BF2-B9DC-730B16A0D4CE}" type="presOf" srcId="{91660F3B-91B6-408A-80FB-FDBDC085BB7A}" destId="{4A5BD583-E316-416D-B1F7-4649EEE481E1}" srcOrd="0" destOrd="0" presId="urn:microsoft.com/office/officeart/2005/8/layout/hList1"/>
+    <dgm:cxn modelId="{476AB7D9-F2CB-4F3A-B6B4-A696665FEBBF}" srcId="{91660F3B-91B6-408A-80FB-FDBDC085BB7A}" destId="{77DF38CD-CB7B-42DD-895C-DDA9BB48380C}" srcOrd="1" destOrd="0" parTransId="{C9E1F909-AD0E-4330-95DA-5F2EEEFAE48F}" sibTransId="{93FED086-94AE-462A-9923-9418DE5F0336}"/>
     <dgm:cxn modelId="{14123EE0-1504-4137-9DAA-C89008FA9C5A}" srcId="{90746D7C-F80B-4664-8B7A-EC25FF1E0FB2}" destId="{6974FFC3-0357-403B-AA99-4364DB879E27}" srcOrd="4" destOrd="0" parTransId="{6578F274-29EE-4A0F-A037-22F6A0CCD4CA}" sibTransId="{404FF7C9-DDED-4E16-B4E4-05880AFDEECC}"/>
-    <dgm:cxn modelId="{0537BCEC-777C-4D64-BCE6-6961E9C5B4CD}" srcId="{13E119C4-4356-41DF-9005-64A59449D563}" destId="{B18F4FD8-D5FC-4CBA-ACD6-004B74A82CB8}" srcOrd="2" destOrd="0" parTransId="{518432D6-7833-4F10-B2A6-3AC006008D73}" sibTransId="{FEE74653-AEB1-431B-9311-E61C190DCA98}"/>
+    <dgm:cxn modelId="{CD581AE1-3D79-40F4-96F2-E385901BDF9E}" srcId="{13E119C4-4356-41DF-9005-64A59449D563}" destId="{937624B1-C173-4ED6-B1E8-D2C72EBC0EFC}" srcOrd="1" destOrd="0" parTransId="{E7C0DEC1-583D-4AF5-9C8D-14C173CF7123}" sibTransId="{2EF2AA0B-682F-418A-AC96-C8AF4F7F1F20}"/>
+    <dgm:cxn modelId="{CBF099E4-47F8-4045-B2DD-326F6350C983}" srcId="{91660F3B-91B6-408A-80FB-FDBDC085BB7A}" destId="{530A0356-FFE6-4F8B-BDE1-05266DFA3480}" srcOrd="0" destOrd="0" parTransId="{6CDE0BD4-6E65-40F7-BB78-D433022F47CE}" sibTransId="{DD7A24F1-6436-4006-BEF9-BAFD2335A522}"/>
+    <dgm:cxn modelId="{347793EB-5101-49E9-85FC-FE8C9A4654DF}" srcId="{13E119C4-4356-41DF-9005-64A59449D563}" destId="{9286E074-A638-4DD9-B515-2D7E1C1746FB}" srcOrd="5" destOrd="0" parTransId="{671C249B-74E1-4DAC-B8A7-963B39DDC484}" sibTransId="{AB5DA094-AAE0-42DE-9D13-2C6C0B6AF8D5}"/>
+    <dgm:cxn modelId="{98F323EC-256C-400A-B25F-AAC953E39DC3}" srcId="{91660F3B-91B6-408A-80FB-FDBDC085BB7A}" destId="{46E28CEC-1814-4C50-B247-CC7EC84F4017}" srcOrd="3" destOrd="0" parTransId="{3A0E315E-40E9-46D6-BEA5-43FDCD4F93B7}" sibTransId="{201312D1-BE96-41AF-ADB8-4924B01920FB}"/>
     <dgm:cxn modelId="{9BC698EE-7EA7-431A-99AF-DEB06B577EE1}" type="presOf" srcId="{2216B1D5-6202-4A9F-ADFD-7157473CBE5A}" destId="{1A3B2050-D053-4091-965F-9A233C04D958}" srcOrd="0" destOrd="0" presId="urn:microsoft.com/office/officeart/2005/8/layout/hList1"/>
-    <dgm:cxn modelId="{54B0EDF3-7EC1-4B12-AA73-C3E1546A9414}" srcId="{91660F3B-91B6-408A-80FB-FDBDC085BB7A}" destId="{2C8F0B52-C56D-4697-A631-79C934D88B58}" srcOrd="0" destOrd="0" parTransId="{74878F36-9715-4CCE-A6D9-52F50C9BAE74}" sibTransId="{0DBF9637-6E7F-4872-BDB0-A7FED3807E2E}"/>
     <dgm:cxn modelId="{4F06EFF7-1AEC-4D92-B7D3-3270F1682EED}" srcId="{85F9BBF5-DB6B-4C8E-9186-4EA50E162F49}" destId="{7AE2F08E-5AEE-4E44-A8C6-E423D2B25ABE}" srcOrd="1" destOrd="0" parTransId="{4814A9D8-E74D-4490-AC92-A1BB779F9B58}" sibTransId="{E5874B1A-4BC3-4C21-A8F0-A296F5DD7218}"/>
+    <dgm:cxn modelId="{B60B4BF8-23A8-4B4E-BD29-00A53827938E}" srcId="{13E119C4-4356-41DF-9005-64A59449D563}" destId="{BF131695-D067-4BEC-9A97-E9F87C8F8146}" srcOrd="4" destOrd="0" parTransId="{9C9BBA20-A8CA-4368-AE46-741536380A2E}" sibTransId="{FBE8D8A7-6186-48F5-8A60-688EFCBA4770}"/>
     <dgm:cxn modelId="{EA4EE2FA-E703-4716-8855-21321680D9D6}" type="presOf" srcId="{6974FFC3-0357-403B-AA99-4364DB879E27}" destId="{07A375A6-D179-4749-9EA1-ABDE18FC24A9}" srcOrd="0" destOrd="0" presId="urn:microsoft.com/office/officeart/2005/8/layout/hList1"/>
+    <dgm:cxn modelId="{A499B7FB-8BF9-47EE-BE06-112F3A335C3E}" type="presOf" srcId="{17D5B4E1-FA77-46B1-B776-6F0474FBF52F}" destId="{3224729F-2CDC-4BDF-A370-7E6539627B4F}" srcOrd="0" destOrd="0" presId="urn:microsoft.com/office/officeart/2005/8/layout/hList1"/>
     <dgm:cxn modelId="{8D9FE78E-BC5E-4931-B3BF-5E6026EA85DF}" type="presParOf" srcId="{EA3B396C-31A3-48BF-89F5-15F6FFF19DDA}" destId="{5B07E21E-9B60-40D0-9B47-7E40F29AC98F}" srcOrd="0" destOrd="0" presId="urn:microsoft.com/office/officeart/2005/8/layout/hList1"/>
     <dgm:cxn modelId="{31DE6AD1-CCD9-42E6-B0E9-8B15EE847430}" type="presParOf" srcId="{5B07E21E-9B60-40D0-9B47-7E40F29AC98F}" destId="{4A5BD583-E316-416D-B1F7-4649EEE481E1}" srcOrd="0" destOrd="0" presId="urn:microsoft.com/office/officeart/2005/8/layout/hList1"/>
     <dgm:cxn modelId="{C293C49F-9A94-4FF5-A034-1548C07A668D}" type="presParOf" srcId="{5B07E21E-9B60-40D0-9B47-7E40F29AC98F}" destId="{2C46DCE3-5A97-48F3-BB5F-54E90F6DA155}" srcOrd="1" destOrd="0" presId="urn:microsoft.com/office/officeart/2005/8/layout/hList1"/>
@@ -5286,8 +5278,8 @@
       </dsp:nvSpPr>
       <dsp:spPr>
         <a:xfrm>
-          <a:off x="15244" y="853537"/>
-          <a:ext cx="2455294" cy="576000"/>
+          <a:off x="12489" y="1174104"/>
+          <a:ext cx="2354439" cy="547200"/>
         </a:xfrm>
         <a:prstGeom prst="rect">
           <a:avLst/>
@@ -5329,12 +5321,12 @@
         </a:fontRef>
       </dsp:style>
       <dsp:txBody>
-        <a:bodyPr spcFirstLastPara="0" vert="horz" wrap="square" lIns="142240" tIns="81280" rIns="142240" bIns="81280" numCol="1" spcCol="1270" anchor="ctr" anchorCtr="0">
+        <a:bodyPr spcFirstLastPara="0" vert="horz" wrap="square" lIns="135128" tIns="77216" rIns="135128" bIns="77216" numCol="1" spcCol="1270" anchor="ctr" anchorCtr="0">
           <a:noAutofit/>
         </a:bodyPr>
         <a:lstStyle/>
         <a:p>
-          <a:pPr marL="0" lvl="0" indent="0" algn="ctr" defTabSz="889000">
+          <a:pPr marL="0" lvl="0" indent="0" algn="ctr" defTabSz="844550">
             <a:lnSpc>
               <a:spcPct val="90000"/>
             </a:lnSpc>
@@ -5348,7 +5340,7 @@
             <a:buNone/>
           </a:pPr>
           <a:r>
-            <a:rPr lang="tr-TR" sz="2000" b="0" i="0" u="none" kern="1200" dirty="0">
+            <a:rPr lang="tr-TR" sz="1900" b="0" i="0" u="none" kern="1200" dirty="0">
               <a:latin typeface="Ubuntu" panose="020B0504030602030204" pitchFamily="34" charset="0"/>
             </a:rPr>
             <a:t>4. Hafta</a:t>
@@ -5356,8 +5348,8 @@
         </a:p>
       </dsp:txBody>
       <dsp:txXfrm>
-        <a:off x="15244" y="853537"/>
-        <a:ext cx="2455294" cy="576000"/>
+        <a:off x="12489" y="1174104"/>
+        <a:ext cx="2354439" cy="547200"/>
       </dsp:txXfrm>
     </dsp:sp>
     <dsp:sp modelId="{2C46DCE3-5A97-48F3-BB5F-54E90F6DA155}">
@@ -5367,8 +5359,8 @@
       </dsp:nvSpPr>
       <dsp:spPr>
         <a:xfrm>
-          <a:off x="4534" y="1429537"/>
-          <a:ext cx="2476715" cy="4275136"/>
+          <a:off x="2218" y="1721304"/>
+          <a:ext cx="2374980" cy="3662801"/>
         </a:xfrm>
         <a:prstGeom prst="rect">
           <a:avLst/>
@@ -5412,12 +5404,12 @@
         <a:fontRef idx="minor"/>
       </dsp:style>
       <dsp:txBody>
-        <a:bodyPr spcFirstLastPara="0" vert="horz" wrap="square" lIns="106680" tIns="106680" rIns="142240" bIns="160020" numCol="1" spcCol="1270" anchor="t" anchorCtr="0">
+        <a:bodyPr spcFirstLastPara="0" vert="horz" wrap="square" lIns="101346" tIns="101346" rIns="135128" bIns="152019" numCol="1" spcCol="1270" anchor="t" anchorCtr="0">
           <a:noAutofit/>
         </a:bodyPr>
         <a:lstStyle/>
         <a:p>
-          <a:pPr marL="228600" lvl="1" indent="-228600" algn="l" defTabSz="889000">
+          <a:pPr marL="171450" lvl="1" indent="-171450" algn="l" defTabSz="844550">
             <a:lnSpc>
               <a:spcPct val="90000"/>
             </a:lnSpc>
@@ -5431,17 +5423,17 @@
             <a:buChar char="•"/>
           </a:pPr>
           <a:r>
-            <a:rPr lang="tr-TR" sz="2000" b="0" i="0" u="none" kern="1200">
+            <a:rPr lang="tr-TR" sz="1900" b="0" i="0" u="none" kern="1200">
               <a:latin typeface="Ubuntu" panose="020B0504030602030204" pitchFamily="34" charset="0"/>
             </a:rPr>
-            <a:t>For Döngüsü</a:t>
+            <a:t>Listeler</a:t>
           </a:r>
-          <a:endParaRPr lang="tr-TR" sz="2000" b="0" i="0" u="none" kern="1200" dirty="0">
+          <a:endParaRPr lang="tr-TR" sz="1900" b="0" i="0" u="none" kern="1200" dirty="0">
             <a:latin typeface="Ubuntu" panose="020B0504030602030204" pitchFamily="34" charset="0"/>
           </a:endParaRPr>
         </a:p>
         <a:p>
-          <a:pPr marL="228600" lvl="1" indent="-228600" algn="l" defTabSz="889000">
+          <a:pPr marL="171450" lvl="1" indent="-171450" algn="l" defTabSz="844550">
             <a:lnSpc>
               <a:spcPct val="90000"/>
             </a:lnSpc>
@@ -5455,20 +5447,17 @@
             <a:buChar char="•"/>
           </a:pPr>
           <a:r>
-            <a:rPr lang="tr-TR" sz="2000" b="0" i="0" u="none" kern="1200" dirty="0" err="1">
+            <a:rPr lang="tr-TR" sz="1900" b="0" i="0" u="none" kern="1200" dirty="0" err="1">
               <a:latin typeface="Ubuntu" panose="020B0504030602030204" pitchFamily="34" charset="0"/>
             </a:rPr>
-            <a:t>While</a:t>
+            <a:t>Tuple</a:t>
           </a:r>
-          <a:r>
-            <a:rPr lang="tr-TR" sz="2000" b="0" i="0" u="none" kern="1200" dirty="0">
-              <a:latin typeface="Ubuntu" panose="020B0504030602030204" pitchFamily="34" charset="0"/>
-            </a:rPr>
-            <a:t> Döngüsü</a:t>
-          </a:r>
+          <a:endParaRPr lang="tr-TR" sz="1900" b="0" i="0" u="none" kern="1200" dirty="0">
+            <a:latin typeface="Ubuntu" panose="020B0504030602030204" pitchFamily="34" charset="0"/>
+          </a:endParaRPr>
         </a:p>
         <a:p>
-          <a:pPr marL="228600" lvl="1" indent="-228600" algn="l" defTabSz="889000">
+          <a:pPr marL="171450" lvl="1" indent="-171450" algn="l" defTabSz="844550">
             <a:lnSpc>
               <a:spcPct val="90000"/>
             </a:lnSpc>
@@ -5482,14 +5471,14 @@
             <a:buChar char="•"/>
           </a:pPr>
           <a:r>
-            <a:rPr lang="tr-TR" sz="2000" b="0" i="0" u="none" kern="1200">
+            <a:rPr lang="tr-TR" sz="1900" b="0" i="0" u="none" kern="1200" dirty="0">
               <a:latin typeface="Ubuntu" panose="020B0504030602030204" pitchFamily="34" charset="0"/>
             </a:rPr>
-            <a:t>Range Fonksiyonu</a:t>
+            <a:t>Set</a:t>
           </a:r>
         </a:p>
         <a:p>
-          <a:pPr marL="228600" lvl="1" indent="-228600" algn="l" defTabSz="889000">
+          <a:pPr marL="171450" lvl="1" indent="-171450" algn="l" defTabSz="844550">
             <a:lnSpc>
               <a:spcPct val="90000"/>
             </a:lnSpc>
@@ -5503,79 +5492,16 @@
             <a:buChar char="•"/>
           </a:pPr>
           <a:r>
-            <a:rPr lang="en-US" sz="2000" b="0" i="0" u="none" kern="1200">
+            <a:rPr lang="tr-TR" sz="1900" b="0" i="0" u="none" kern="1200" dirty="0">
               <a:latin typeface="Ubuntu" panose="020B0504030602030204" pitchFamily="34" charset="0"/>
             </a:rPr>
-            <a:t>is ve is not Operatörü</a:t>
-          </a:r>
-        </a:p>
-        <a:p>
-          <a:pPr marL="228600" lvl="1" indent="-228600" algn="l" defTabSz="889000">
-            <a:lnSpc>
-              <a:spcPct val="90000"/>
-            </a:lnSpc>
-            <a:spcBef>
-              <a:spcPct val="0"/>
-            </a:spcBef>
-            <a:spcAft>
-              <a:spcPct val="15000"/>
-            </a:spcAft>
-            <a:buFont typeface="Arial" panose="020B0604020202020204" pitchFamily="34" charset="0"/>
-            <a:buChar char="•"/>
-          </a:pPr>
-          <a:r>
-            <a:rPr lang="tr-TR" sz="2000" b="0" i="0" u="none" kern="1200">
-              <a:latin typeface="Ubuntu" panose="020B0504030602030204" pitchFamily="34" charset="0"/>
-            </a:rPr>
-            <a:t>Continue deyimi</a:t>
-          </a:r>
-        </a:p>
-        <a:p>
-          <a:pPr marL="228600" lvl="1" indent="-228600" algn="l" defTabSz="889000">
-            <a:lnSpc>
-              <a:spcPct val="90000"/>
-            </a:lnSpc>
-            <a:spcBef>
-              <a:spcPct val="0"/>
-            </a:spcBef>
-            <a:spcAft>
-              <a:spcPct val="15000"/>
-            </a:spcAft>
-            <a:buFont typeface="Arial" panose="020B0604020202020204" pitchFamily="34" charset="0"/>
-            <a:buChar char="•"/>
-          </a:pPr>
-          <a:r>
-            <a:rPr lang="tr-TR" sz="2000" b="0" i="0" u="none" kern="1200">
-              <a:latin typeface="Ubuntu" panose="020B0504030602030204" pitchFamily="34" charset="0"/>
-            </a:rPr>
-            <a:t>Break deyimi</a:t>
-          </a:r>
-        </a:p>
-        <a:p>
-          <a:pPr marL="228600" lvl="1" indent="-228600" algn="l" defTabSz="889000">
-            <a:lnSpc>
-              <a:spcPct val="90000"/>
-            </a:lnSpc>
-            <a:spcBef>
-              <a:spcPct val="0"/>
-            </a:spcBef>
-            <a:spcAft>
-              <a:spcPct val="15000"/>
-            </a:spcAft>
-            <a:buFont typeface="Arial" panose="020B0604020202020204" pitchFamily="34" charset="0"/>
-            <a:buChar char="•"/>
-          </a:pPr>
-          <a:r>
-            <a:rPr lang="tr-TR" sz="2000" b="0" i="0" u="none" kern="1200">
-              <a:latin typeface="Ubuntu" panose="020B0504030602030204" pitchFamily="34" charset="0"/>
-            </a:rPr>
-            <a:t>İç İçe Döngüler</a:t>
+            <a:t>Dictionary</a:t>
           </a:r>
         </a:p>
       </dsp:txBody>
       <dsp:txXfrm>
-        <a:off x="4534" y="1429537"/>
-        <a:ext cx="2476715" cy="4275136"/>
+        <a:off x="2218" y="1721304"/>
+        <a:ext cx="2374980" cy="3662801"/>
       </dsp:txXfrm>
     </dsp:sp>
     <dsp:sp modelId="{2E98E042-C7A0-4572-88B9-C7CE47D55222}">
@@ -5585,8 +5511,8 @@
       </dsp:nvSpPr>
       <dsp:spPr>
         <a:xfrm>
-          <a:off x="2761518" y="853537"/>
-          <a:ext cx="2001920" cy="576000"/>
+          <a:off x="2645955" y="1174104"/>
+          <a:ext cx="2401030" cy="547200"/>
         </a:xfrm>
         <a:prstGeom prst="rect">
           <a:avLst/>
@@ -5628,12 +5554,12 @@
         </a:fontRef>
       </dsp:style>
       <dsp:txBody>
-        <a:bodyPr spcFirstLastPara="0" vert="horz" wrap="square" lIns="142240" tIns="81280" rIns="142240" bIns="81280" numCol="1" spcCol="1270" anchor="ctr" anchorCtr="0">
+        <a:bodyPr spcFirstLastPara="0" vert="horz" wrap="square" lIns="135128" tIns="77216" rIns="135128" bIns="77216" numCol="1" spcCol="1270" anchor="ctr" anchorCtr="0">
           <a:noAutofit/>
         </a:bodyPr>
         <a:lstStyle/>
         <a:p>
-          <a:pPr marL="0" lvl="0" indent="0" algn="ctr" defTabSz="889000">
+          <a:pPr marL="0" lvl="0" indent="0" algn="ctr" defTabSz="844550">
             <a:lnSpc>
               <a:spcPct val="90000"/>
             </a:lnSpc>
@@ -5647,7 +5573,7 @@
             <a:buNone/>
           </a:pPr>
           <a:r>
-            <a:rPr lang="tr-TR" sz="2000" b="0" i="0" u="none" kern="1200" dirty="0">
+            <a:rPr lang="tr-TR" sz="1900" b="0" i="0" u="none" kern="1200" dirty="0">
               <a:latin typeface="Ubuntu" panose="020B0504030602030204" pitchFamily="34" charset="0"/>
             </a:rPr>
             <a:t>5. Hafta</a:t>
@@ -5655,8 +5581,8 @@
         </a:p>
       </dsp:txBody>
       <dsp:txXfrm>
-        <a:off x="2761518" y="853537"/>
-        <a:ext cx="2001920" cy="576000"/>
+        <a:off x="2645955" y="1174104"/>
+        <a:ext cx="2401030" cy="547200"/>
       </dsp:txXfrm>
     </dsp:sp>
     <dsp:sp modelId="{3224729F-2CDC-4BDF-A370-7E6539627B4F}">
@@ -5666,8 +5592,8 @@
       </dsp:nvSpPr>
       <dsp:spPr>
         <a:xfrm>
-          <a:off x="2761518" y="1429537"/>
-          <a:ext cx="2001920" cy="4275136"/>
+          <a:off x="2658980" y="1721304"/>
+          <a:ext cx="2374980" cy="3662801"/>
         </a:xfrm>
         <a:prstGeom prst="rect">
           <a:avLst/>
@@ -5711,12 +5637,12 @@
         <a:fontRef idx="minor"/>
       </dsp:style>
       <dsp:txBody>
-        <a:bodyPr spcFirstLastPara="0" vert="horz" wrap="square" lIns="106680" tIns="106680" rIns="142240" bIns="160020" numCol="1" spcCol="1270" anchor="t" anchorCtr="0">
+        <a:bodyPr spcFirstLastPara="0" vert="horz" wrap="square" lIns="101346" tIns="101346" rIns="135128" bIns="152019" numCol="1" spcCol="1270" anchor="t" anchorCtr="0">
           <a:noAutofit/>
         </a:bodyPr>
         <a:lstStyle/>
         <a:p>
-          <a:pPr marL="228600" lvl="1" indent="-228600" algn="l" defTabSz="889000">
+          <a:pPr marL="171450" lvl="1" indent="-171450" algn="l" defTabSz="844550">
             <a:lnSpc>
               <a:spcPct val="90000"/>
             </a:lnSpc>
@@ -5730,17 +5656,17 @@
             <a:buChar char="•"/>
           </a:pPr>
           <a:r>
-            <a:rPr lang="tr-TR" sz="2000" b="0" i="0" u="none" kern="1200">
+            <a:rPr lang="tr-TR" sz="1900" b="0" i="0" u="none" kern="1200">
               <a:latin typeface="Ubuntu" panose="020B0504030602030204" pitchFamily="34" charset="0"/>
             </a:rPr>
-            <a:t>Listeler</a:t>
+            <a:t>For Döngüsü</a:t>
           </a:r>
-          <a:endParaRPr lang="tr-TR" sz="2000" b="0" i="0" u="none" kern="1200" dirty="0">
+          <a:endParaRPr lang="tr-TR" sz="1900" b="0" i="0" u="none" kern="1200" dirty="0">
             <a:latin typeface="Ubuntu" panose="020B0504030602030204" pitchFamily="34" charset="0"/>
           </a:endParaRPr>
         </a:p>
         <a:p>
-          <a:pPr marL="228600" lvl="1" indent="-228600" algn="l" defTabSz="889000">
+          <a:pPr marL="171450" lvl="1" indent="-171450" algn="l" defTabSz="844550">
             <a:lnSpc>
               <a:spcPct val="90000"/>
             </a:lnSpc>
@@ -5754,14 +5680,20 @@
             <a:buChar char="•"/>
           </a:pPr>
           <a:r>
-            <a:rPr lang="tr-TR" sz="2000" b="0" i="0" u="none" kern="1200">
+            <a:rPr lang="tr-TR" sz="1900" b="0" i="0" u="none" kern="1200" dirty="0" err="1">
               <a:latin typeface="Ubuntu" panose="020B0504030602030204" pitchFamily="34" charset="0"/>
             </a:rPr>
-            <a:t>Tuple</a:t>
+            <a:t>While</a:t>
+          </a:r>
+          <a:r>
+            <a:rPr lang="tr-TR" sz="1900" b="0" i="0" u="none" kern="1200" dirty="0">
+              <a:latin typeface="Ubuntu" panose="020B0504030602030204" pitchFamily="34" charset="0"/>
+            </a:rPr>
+            <a:t> Döngüsü</a:t>
           </a:r>
         </a:p>
         <a:p>
-          <a:pPr marL="228600" lvl="1" indent="-228600" algn="l" defTabSz="889000">
+          <a:pPr marL="171450" lvl="1" indent="-171450" algn="l" defTabSz="844550">
             <a:lnSpc>
               <a:spcPct val="90000"/>
             </a:lnSpc>
@@ -5775,14 +5707,20 @@
             <a:buChar char="•"/>
           </a:pPr>
           <a:r>
-            <a:rPr lang="tr-TR" sz="2000" b="0" i="0" u="none" kern="1200">
+            <a:rPr lang="tr-TR" sz="1900" b="0" i="0" u="none" kern="1200" dirty="0" err="1">
               <a:latin typeface="Ubuntu" panose="020B0504030602030204" pitchFamily="34" charset="0"/>
             </a:rPr>
-            <a:t>Set</a:t>
+            <a:t>Range</a:t>
+          </a:r>
+          <a:r>
+            <a:rPr lang="tr-TR" sz="1900" b="0" i="0" u="none" kern="1200" dirty="0">
+              <a:latin typeface="Ubuntu" panose="020B0504030602030204" pitchFamily="34" charset="0"/>
+            </a:rPr>
+            <a:t> Fonksiyonu</a:t>
           </a:r>
         </a:p>
         <a:p>
-          <a:pPr marL="228600" lvl="1" indent="-228600" algn="l" defTabSz="889000">
+          <a:pPr marL="171450" lvl="1" indent="-171450" algn="l" defTabSz="844550">
             <a:lnSpc>
               <a:spcPct val="90000"/>
             </a:lnSpc>
@@ -5796,16 +5734,106 @@
             <a:buChar char="•"/>
           </a:pPr>
           <a:r>
-            <a:rPr lang="tr-TR" sz="2000" b="0" i="0" u="none" kern="1200">
+            <a:rPr lang="en-US" sz="1900" b="0" i="0" u="none" kern="1200" dirty="0">
               <a:latin typeface="Ubuntu" panose="020B0504030602030204" pitchFamily="34" charset="0"/>
             </a:rPr>
-            <a:t>Dictionary</a:t>
+            <a:t>is </a:t>
+          </a:r>
+          <a:r>
+            <a:rPr lang="en-US" sz="1900" b="0" i="0" u="none" kern="1200" dirty="0" err="1">
+              <a:latin typeface="Ubuntu" panose="020B0504030602030204" pitchFamily="34" charset="0"/>
+            </a:rPr>
+            <a:t>ve</a:t>
+          </a:r>
+          <a:r>
+            <a:rPr lang="en-US" sz="1900" b="0" i="0" u="none" kern="1200" dirty="0">
+              <a:latin typeface="Ubuntu" panose="020B0504030602030204" pitchFamily="34" charset="0"/>
+            </a:rPr>
+            <a:t> is not </a:t>
+          </a:r>
+          <a:r>
+            <a:rPr lang="en-US" sz="1900" b="0" i="0" u="none" kern="1200" dirty="0" err="1">
+              <a:latin typeface="Ubuntu" panose="020B0504030602030204" pitchFamily="34" charset="0"/>
+            </a:rPr>
+            <a:t>Operatörü</a:t>
+          </a:r>
+          <a:endParaRPr lang="en-US" sz="1900" b="0" i="0" u="none" kern="1200" dirty="0">
+            <a:latin typeface="Ubuntu" panose="020B0504030602030204" pitchFamily="34" charset="0"/>
+          </a:endParaRPr>
+        </a:p>
+        <a:p>
+          <a:pPr marL="171450" lvl="1" indent="-171450" algn="l" defTabSz="844550">
+            <a:lnSpc>
+              <a:spcPct val="90000"/>
+            </a:lnSpc>
+            <a:spcBef>
+              <a:spcPct val="0"/>
+            </a:spcBef>
+            <a:spcAft>
+              <a:spcPct val="15000"/>
+            </a:spcAft>
+            <a:buFont typeface="Arial" panose="020B0604020202020204" pitchFamily="34" charset="0"/>
+            <a:buChar char="•"/>
+          </a:pPr>
+          <a:r>
+            <a:rPr lang="tr-TR" sz="1900" b="0" i="0" u="none" kern="1200" dirty="0" err="1">
+              <a:latin typeface="Ubuntu" panose="020B0504030602030204" pitchFamily="34" charset="0"/>
+            </a:rPr>
+            <a:t>Continue</a:t>
+          </a:r>
+          <a:r>
+            <a:rPr lang="tr-TR" sz="1900" b="0" i="0" u="none" kern="1200" dirty="0">
+              <a:latin typeface="Ubuntu" panose="020B0504030602030204" pitchFamily="34" charset="0"/>
+            </a:rPr>
+            <a:t> deyimi</a:t>
+          </a:r>
+        </a:p>
+        <a:p>
+          <a:pPr marL="171450" lvl="1" indent="-171450" algn="l" defTabSz="844550">
+            <a:lnSpc>
+              <a:spcPct val="90000"/>
+            </a:lnSpc>
+            <a:spcBef>
+              <a:spcPct val="0"/>
+            </a:spcBef>
+            <a:spcAft>
+              <a:spcPct val="15000"/>
+            </a:spcAft>
+            <a:buFont typeface="Arial" panose="020B0604020202020204" pitchFamily="34" charset="0"/>
+            <a:buChar char="•"/>
+          </a:pPr>
+          <a:r>
+            <a:rPr lang="tr-TR" sz="1900" b="0" i="0" u="none" kern="1200" dirty="0">
+              <a:latin typeface="Ubuntu" panose="020B0504030602030204" pitchFamily="34" charset="0"/>
+            </a:rPr>
+            <a:t>Break deyimi</a:t>
+          </a:r>
+        </a:p>
+        <a:p>
+          <a:pPr marL="171450" lvl="1" indent="-171450" algn="l" defTabSz="844550">
+            <a:lnSpc>
+              <a:spcPct val="90000"/>
+            </a:lnSpc>
+            <a:spcBef>
+              <a:spcPct val="0"/>
+            </a:spcBef>
+            <a:spcAft>
+              <a:spcPct val="15000"/>
+            </a:spcAft>
+            <a:buFont typeface="Arial" panose="020B0604020202020204" pitchFamily="34" charset="0"/>
+            <a:buChar char="•"/>
+          </a:pPr>
+          <a:r>
+            <a:rPr lang="tr-TR" sz="1900" b="0" i="0" u="none" kern="1200" dirty="0">
+              <a:latin typeface="Ubuntu" panose="020B0504030602030204" pitchFamily="34" charset="0"/>
+            </a:rPr>
+            <a:t>İç İçe Döngüler</a:t>
           </a:r>
         </a:p>
       </dsp:txBody>
       <dsp:txXfrm>
-        <a:off x="2761518" y="1429537"/>
-        <a:ext cx="2001920" cy="4275136"/>
+        <a:off x="2658980" y="1721304"/>
+        <a:ext cx="2374980" cy="3662801"/>
       </dsp:txXfrm>
     </dsp:sp>
     <dsp:sp modelId="{607E8336-80F0-4481-AEA3-71880C81D01D}">
@@ -5815,8 +5843,8 @@
       </dsp:nvSpPr>
       <dsp:spPr>
         <a:xfrm>
-          <a:off x="5043707" y="853537"/>
-          <a:ext cx="2001920" cy="576000"/>
+          <a:off x="5315742" y="1174104"/>
+          <a:ext cx="1919688" cy="547200"/>
         </a:xfrm>
         <a:prstGeom prst="rect">
           <a:avLst/>
@@ -5858,12 +5886,12 @@
         </a:fontRef>
       </dsp:style>
       <dsp:txBody>
-        <a:bodyPr spcFirstLastPara="0" vert="horz" wrap="square" lIns="142240" tIns="81280" rIns="142240" bIns="81280" numCol="1" spcCol="1270" anchor="ctr" anchorCtr="0">
+        <a:bodyPr spcFirstLastPara="0" vert="horz" wrap="square" lIns="135128" tIns="77216" rIns="135128" bIns="77216" numCol="1" spcCol="1270" anchor="ctr" anchorCtr="0">
           <a:noAutofit/>
         </a:bodyPr>
         <a:lstStyle/>
         <a:p>
-          <a:pPr marL="0" lvl="0" indent="0" algn="ctr" defTabSz="889000">
+          <a:pPr marL="0" lvl="0" indent="0" algn="ctr" defTabSz="844550">
             <a:lnSpc>
               <a:spcPct val="90000"/>
             </a:lnSpc>
@@ -5877,7 +5905,7 @@
             <a:buNone/>
           </a:pPr>
           <a:r>
-            <a:rPr lang="tr-TR" sz="2000" b="0" i="0" u="none" kern="1200" dirty="0">
+            <a:rPr lang="tr-TR" sz="1900" b="0" i="0" u="none" kern="1200" dirty="0">
               <a:latin typeface="Ubuntu" panose="020B0504030602030204" pitchFamily="34" charset="0"/>
             </a:rPr>
             <a:t>6. Hafta</a:t>
@@ -5885,8 +5913,8 @@
         </a:p>
       </dsp:txBody>
       <dsp:txXfrm>
-        <a:off x="5043707" y="853537"/>
-        <a:ext cx="2001920" cy="576000"/>
+        <a:off x="5315742" y="1174104"/>
+        <a:ext cx="1919688" cy="547200"/>
       </dsp:txXfrm>
     </dsp:sp>
     <dsp:sp modelId="{1A3B2050-D053-4091-965F-9A233C04D958}">
@@ -5896,8 +5924,8 @@
       </dsp:nvSpPr>
       <dsp:spPr>
         <a:xfrm>
-          <a:off x="5043707" y="1429537"/>
-          <a:ext cx="2001920" cy="4275136"/>
+          <a:off x="5315742" y="1721304"/>
+          <a:ext cx="1919688" cy="3662801"/>
         </a:xfrm>
         <a:prstGeom prst="rect">
           <a:avLst/>
@@ -5941,12 +5969,12 @@
         <a:fontRef idx="minor"/>
       </dsp:style>
       <dsp:txBody>
-        <a:bodyPr spcFirstLastPara="0" vert="horz" wrap="square" lIns="106680" tIns="106680" rIns="142240" bIns="160020" numCol="1" spcCol="1270" anchor="t" anchorCtr="0">
+        <a:bodyPr spcFirstLastPara="0" vert="horz" wrap="square" lIns="101346" tIns="101346" rIns="135128" bIns="152019" numCol="1" spcCol="1270" anchor="t" anchorCtr="0">
           <a:noAutofit/>
         </a:bodyPr>
         <a:lstStyle/>
         <a:p>
-          <a:pPr marL="228600" lvl="1" indent="-228600" algn="l" defTabSz="889000">
+          <a:pPr marL="171450" lvl="1" indent="-171450" algn="l" defTabSz="844550">
             <a:lnSpc>
               <a:spcPct val="90000"/>
             </a:lnSpc>
@@ -5960,17 +5988,17 @@
             <a:buChar char="•"/>
           </a:pPr>
           <a:r>
-            <a:rPr lang="tr-TR" sz="2000" b="0" i="0" u="none" kern="1200">
+            <a:rPr lang="tr-TR" sz="1900" b="0" i="0" u="none" kern="1200">
               <a:latin typeface="Ubuntu" panose="020B0504030602030204" pitchFamily="34" charset="0"/>
             </a:rPr>
             <a:t>Karakter dizileri</a:t>
           </a:r>
-          <a:endParaRPr lang="tr-TR" sz="2000" b="0" i="0" u="none" kern="1200" dirty="0">
+          <a:endParaRPr lang="tr-TR" sz="1900" b="0" i="0" u="none" kern="1200" dirty="0">
             <a:latin typeface="Ubuntu" panose="020B0504030602030204" pitchFamily="34" charset="0"/>
           </a:endParaRPr>
         </a:p>
         <a:p>
-          <a:pPr marL="228600" lvl="1" indent="-228600" algn="l" defTabSz="889000">
+          <a:pPr marL="171450" lvl="1" indent="-171450" algn="l" defTabSz="844550">
             <a:lnSpc>
               <a:spcPct val="90000"/>
             </a:lnSpc>
@@ -5984,7 +6012,7 @@
             <a:buChar char="•"/>
           </a:pPr>
           <a:r>
-            <a:rPr lang="tr-TR" sz="2000" b="0" i="0" u="none" kern="1200" dirty="0">
+            <a:rPr lang="tr-TR" sz="1900" b="0" i="0" u="none" kern="1200" dirty="0">
               <a:latin typeface="Ubuntu" panose="020B0504030602030204" pitchFamily="34" charset="0"/>
             </a:rPr>
             <a:t>Fonksiyonlar</a:t>
@@ -5992,8 +6020,8 @@
         </a:p>
       </dsp:txBody>
       <dsp:txXfrm>
-        <a:off x="5043707" y="1429537"/>
-        <a:ext cx="2001920" cy="4275136"/>
+        <a:off x="5315742" y="1721304"/>
+        <a:ext cx="1919688" cy="3662801"/>
       </dsp:txXfrm>
     </dsp:sp>
     <dsp:sp modelId="{FB55A29C-B266-4E0D-9F39-8D6FC0AD6A53}">
@@ -6003,8 +6031,8 @@
       </dsp:nvSpPr>
       <dsp:spPr>
         <a:xfrm>
-          <a:off x="7325896" y="853537"/>
-          <a:ext cx="2001920" cy="576000"/>
+          <a:off x="7504187" y="1174104"/>
+          <a:ext cx="1919688" cy="547200"/>
         </a:xfrm>
         <a:prstGeom prst="rect">
           <a:avLst/>
@@ -6046,12 +6074,12 @@
         </a:fontRef>
       </dsp:style>
       <dsp:txBody>
-        <a:bodyPr spcFirstLastPara="0" vert="horz" wrap="square" lIns="142240" tIns="81280" rIns="142240" bIns="81280" numCol="1" spcCol="1270" anchor="ctr" anchorCtr="0">
+        <a:bodyPr spcFirstLastPara="0" vert="horz" wrap="square" lIns="135128" tIns="77216" rIns="135128" bIns="77216" numCol="1" spcCol="1270" anchor="ctr" anchorCtr="0">
           <a:noAutofit/>
         </a:bodyPr>
         <a:lstStyle/>
         <a:p>
-          <a:pPr marL="0" lvl="0" indent="0" algn="ctr" defTabSz="889000">
+          <a:pPr marL="0" lvl="0" indent="0" algn="ctr" defTabSz="844550">
             <a:lnSpc>
               <a:spcPct val="90000"/>
             </a:lnSpc>
@@ -6065,7 +6093,7 @@
             <a:buNone/>
           </a:pPr>
           <a:r>
-            <a:rPr lang="tr-TR" sz="2000" b="0" i="0" u="none" kern="1200" dirty="0">
+            <a:rPr lang="tr-TR" sz="1900" b="0" i="0" u="none" kern="1200" dirty="0">
               <a:latin typeface="Ubuntu" panose="020B0504030602030204" pitchFamily="34" charset="0"/>
             </a:rPr>
             <a:t>7. Hafta</a:t>
@@ -6073,8 +6101,8 @@
         </a:p>
       </dsp:txBody>
       <dsp:txXfrm>
-        <a:off x="7325896" y="853537"/>
-        <a:ext cx="2001920" cy="576000"/>
+        <a:off x="7504187" y="1174104"/>
+        <a:ext cx="1919688" cy="547200"/>
       </dsp:txXfrm>
     </dsp:sp>
     <dsp:sp modelId="{FB41FF61-ABBB-4409-BAE3-5992457187F1}">
@@ -6084,8 +6112,8 @@
       </dsp:nvSpPr>
       <dsp:spPr>
         <a:xfrm>
-          <a:off x="7325896" y="1429537"/>
-          <a:ext cx="2001920" cy="4275136"/>
+          <a:off x="7504187" y="1721304"/>
+          <a:ext cx="1919688" cy="3662801"/>
         </a:xfrm>
         <a:prstGeom prst="rect">
           <a:avLst/>
@@ -6129,12 +6157,12 @@
         <a:fontRef idx="minor"/>
       </dsp:style>
       <dsp:txBody>
-        <a:bodyPr spcFirstLastPara="0" vert="horz" wrap="square" lIns="106680" tIns="106680" rIns="142240" bIns="160020" numCol="1" spcCol="1270" anchor="t" anchorCtr="0">
+        <a:bodyPr spcFirstLastPara="0" vert="horz" wrap="square" lIns="101346" tIns="101346" rIns="135128" bIns="152019" numCol="1" spcCol="1270" anchor="t" anchorCtr="0">
           <a:noAutofit/>
         </a:bodyPr>
         <a:lstStyle/>
         <a:p>
-          <a:pPr marL="228600" lvl="1" indent="-228600" algn="l" defTabSz="889000">
+          <a:pPr marL="171450" lvl="1" indent="-171450" algn="l" defTabSz="844550">
             <a:lnSpc>
               <a:spcPct val="90000"/>
             </a:lnSpc>
@@ -6148,17 +6176,17 @@
             <a:buChar char="•"/>
           </a:pPr>
           <a:r>
-            <a:rPr lang="tr-TR" sz="2000" b="0" i="0" u="none" kern="1200">
+            <a:rPr lang="tr-TR" sz="1900" b="0" i="0" u="none" kern="1200">
               <a:latin typeface="Ubuntu" panose="020B0504030602030204" pitchFamily="34" charset="0"/>
             </a:rPr>
             <a:t>Hata Yakalama </a:t>
           </a:r>
-          <a:endParaRPr lang="tr-TR" sz="2000" b="0" i="0" u="none" kern="1200" dirty="0">
+          <a:endParaRPr lang="tr-TR" sz="1900" b="0" i="0" u="none" kern="1200" dirty="0">
             <a:latin typeface="Ubuntu" panose="020B0504030602030204" pitchFamily="34" charset="0"/>
           </a:endParaRPr>
         </a:p>
         <a:p>
-          <a:pPr marL="228600" lvl="1" indent="-228600" algn="l" defTabSz="889000">
+          <a:pPr marL="171450" lvl="1" indent="-171450" algn="l" defTabSz="844550">
             <a:lnSpc>
               <a:spcPct val="90000"/>
             </a:lnSpc>
@@ -6172,7 +6200,7 @@
             <a:buChar char="•"/>
           </a:pPr>
           <a:r>
-            <a:rPr lang="tr-TR" sz="2000" b="0" i="0" u="none" kern="1200">
+            <a:rPr lang="tr-TR" sz="1900" b="0" i="0" u="none" kern="1200">
               <a:latin typeface="Ubuntu" panose="020B0504030602030204" pitchFamily="34" charset="0"/>
             </a:rPr>
             <a:t>Dosya İşlemleri</a:t>
@@ -6180,8 +6208,8 @@
         </a:p>
       </dsp:txBody>
       <dsp:txXfrm>
-        <a:off x="7325896" y="1429537"/>
-        <a:ext cx="2001920" cy="4275136"/>
+        <a:off x="7504187" y="1721304"/>
+        <a:ext cx="1919688" cy="3662801"/>
       </dsp:txXfrm>
     </dsp:sp>
     <dsp:sp modelId="{07A375A6-D179-4749-9EA1-ABDE18FC24A9}">
@@ -6191,8 +6219,8 @@
       </dsp:nvSpPr>
       <dsp:spPr>
         <a:xfrm>
-          <a:off x="9608084" y="853537"/>
-          <a:ext cx="2001920" cy="576000"/>
+          <a:off x="9692632" y="1174104"/>
+          <a:ext cx="1919688" cy="547200"/>
         </a:xfrm>
         <a:prstGeom prst="rect">
           <a:avLst/>
@@ -6234,12 +6262,12 @@
         </a:fontRef>
       </dsp:style>
       <dsp:txBody>
-        <a:bodyPr spcFirstLastPara="0" vert="horz" wrap="square" lIns="142240" tIns="81280" rIns="142240" bIns="81280" numCol="1" spcCol="1270" anchor="ctr" anchorCtr="0">
+        <a:bodyPr spcFirstLastPara="0" vert="horz" wrap="square" lIns="135128" tIns="77216" rIns="135128" bIns="77216" numCol="1" spcCol="1270" anchor="ctr" anchorCtr="0">
           <a:noAutofit/>
         </a:bodyPr>
         <a:lstStyle/>
         <a:p>
-          <a:pPr marL="0" lvl="0" indent="0" algn="ctr" defTabSz="889000">
+          <a:pPr marL="0" lvl="0" indent="0" algn="ctr" defTabSz="844550">
             <a:lnSpc>
               <a:spcPct val="90000"/>
             </a:lnSpc>
@@ -6253,7 +6281,7 @@
             <a:buNone/>
           </a:pPr>
           <a:r>
-            <a:rPr lang="tr-TR" sz="2000" b="0" i="0" u="none" kern="1200" dirty="0">
+            <a:rPr lang="tr-TR" sz="1900" b="0" i="0" u="none" kern="1200" dirty="0">
               <a:latin typeface="Ubuntu" panose="020B0504030602030204" pitchFamily="34" charset="0"/>
             </a:rPr>
             <a:t>8. Hafta</a:t>
@@ -6261,8 +6289,8 @@
         </a:p>
       </dsp:txBody>
       <dsp:txXfrm>
-        <a:off x="9608084" y="853537"/>
-        <a:ext cx="2001920" cy="576000"/>
+        <a:off x="9692632" y="1174104"/>
+        <a:ext cx="1919688" cy="547200"/>
       </dsp:txXfrm>
     </dsp:sp>
     <dsp:sp modelId="{BD554669-901F-43AB-81A8-595E3F6F598F}">
@@ -6272,8 +6300,8 @@
       </dsp:nvSpPr>
       <dsp:spPr>
         <a:xfrm>
-          <a:off x="9608084" y="1429537"/>
-          <a:ext cx="2001920" cy="4275136"/>
+          <a:off x="9692632" y="1721304"/>
+          <a:ext cx="1919688" cy="3662801"/>
         </a:xfrm>
         <a:prstGeom prst="rect">
           <a:avLst/>
@@ -6317,12 +6345,12 @@
         <a:fontRef idx="minor"/>
       </dsp:style>
       <dsp:txBody>
-        <a:bodyPr spcFirstLastPara="0" vert="horz" wrap="square" lIns="106680" tIns="106680" rIns="142240" bIns="160020" numCol="1" spcCol="1270" anchor="t" anchorCtr="0">
+        <a:bodyPr spcFirstLastPara="0" vert="horz" wrap="square" lIns="101346" tIns="101346" rIns="135128" bIns="152019" numCol="1" spcCol="1270" anchor="t" anchorCtr="0">
           <a:noAutofit/>
         </a:bodyPr>
         <a:lstStyle/>
         <a:p>
-          <a:pPr marL="228600" lvl="1" indent="-228600" algn="l" defTabSz="889000">
+          <a:pPr marL="171450" lvl="1" indent="-171450" algn="l" defTabSz="844550">
             <a:lnSpc>
               <a:spcPct val="90000"/>
             </a:lnSpc>
@@ -6336,14 +6364,14 @@
             <a:buChar char="•"/>
           </a:pPr>
           <a:r>
-            <a:rPr lang="tr-TR" sz="2000" b="0" i="0" u="none" kern="1200" dirty="0">
+            <a:rPr lang="tr-TR" sz="1900" b="0" i="0" u="none" kern="1200" dirty="0">
               <a:latin typeface="Ubuntu" panose="020B0504030602030204" pitchFamily="34" charset="0"/>
             </a:rPr>
             <a:t>Sunumlar</a:t>
           </a:r>
         </a:p>
         <a:p>
-          <a:pPr marL="228600" lvl="1" indent="-228600" algn="l" defTabSz="889000">
+          <a:pPr marL="171450" lvl="1" indent="-171450" algn="l" defTabSz="844550">
             <a:lnSpc>
               <a:spcPct val="90000"/>
             </a:lnSpc>
@@ -6357,7 +6385,7 @@
             <a:buChar char="•"/>
           </a:pPr>
           <a:r>
-            <a:rPr lang="tr-TR" sz="2000" b="0" i="0" u="none" kern="1200" dirty="0">
+            <a:rPr lang="tr-TR" sz="1900" b="0" i="0" u="none" kern="1200" dirty="0">
               <a:latin typeface="Ubuntu" panose="020B0504030602030204" pitchFamily="34" charset="0"/>
             </a:rPr>
             <a:t>Sınav</a:t>
@@ -6365,8 +6393,8 @@
         </a:p>
       </dsp:txBody>
       <dsp:txXfrm>
-        <a:off x="9608084" y="1429537"/>
-        <a:ext cx="2001920" cy="4275136"/>
+        <a:off x="9692632" y="1721304"/>
+        <a:ext cx="1919688" cy="3662801"/>
       </dsp:txXfrm>
     </dsp:sp>
   </dsp:spTree>
@@ -9084,7 +9112,7 @@
           <a:p>
             <a:fld id="{C485584D-7D79-4248-9986-4CA35242F944}" type="datetimeFigureOut">
               <a:rPr lang="en-US" smtClean="0"/>
-              <a:t>1/14/2022</a:t>
+              <a:t>2/1/2022</a:t>
             </a:fld>
             <a:endParaRPr lang="en-US"/>
           </a:p>
@@ -9458,7 +9486,7 @@
           <a:p>
             <a:fld id="{C485584D-7D79-4248-9986-4CA35242F944}" type="datetimeFigureOut">
               <a:rPr lang="en-US" smtClean="0"/>
-              <a:t>1/14/2022</a:t>
+              <a:t>2/1/2022</a:t>
             </a:fld>
             <a:endParaRPr lang="en-US"/>
           </a:p>
@@ -9668,7 +9696,7 @@
           <a:p>
             <a:fld id="{C485584D-7D79-4248-9986-4CA35242F944}" type="datetimeFigureOut">
               <a:rPr lang="en-US" smtClean="0"/>
-              <a:t>1/14/2022</a:t>
+              <a:t>2/1/2022</a:t>
             </a:fld>
             <a:endParaRPr lang="en-US"/>
           </a:p>
@@ -9867,7 +9895,7 @@
           <a:p>
             <a:fld id="{C485584D-7D79-4248-9986-4CA35242F944}" type="datetimeFigureOut">
               <a:rPr lang="en-US" smtClean="0"/>
-              <a:t>1/14/2022</a:t>
+              <a:t>2/1/2022</a:t>
             </a:fld>
             <a:endParaRPr lang="en-US"/>
           </a:p>
@@ -9980,7 +10008,7 @@
           <a:p>
             <a:fld id="{C485584D-7D79-4248-9986-4CA35242F944}" type="datetimeFigureOut">
               <a:rPr lang="en-US" smtClean="0"/>
-              <a:t>1/14/2022</a:t>
+              <a:t>2/1/2022</a:t>
             </a:fld>
             <a:endParaRPr lang="en-US"/>
           </a:p>
@@ -10716,7 +10744,7 @@
           <a:p>
             <a:fld id="{C485584D-7D79-4248-9986-4CA35242F944}" type="datetimeFigureOut">
               <a:rPr lang="en-US" smtClean="0"/>
-              <a:t>1/14/2022</a:t>
+              <a:t>2/1/2022</a:t>
             </a:fld>
             <a:endParaRPr lang="en-US"/>
           </a:p>
@@ -11132,7 +11160,7 @@
           <a:p>
             <a:fld id="{C485584D-7D79-4248-9986-4CA35242F944}" type="datetimeFigureOut">
               <a:rPr lang="en-US" smtClean="0"/>
-              <a:t>1/14/2022</a:t>
+              <a:t>2/1/2022</a:t>
             </a:fld>
             <a:endParaRPr lang="en-US"/>
           </a:p>
@@ -11273,7 +11301,7 @@
           <a:p>
             <a:fld id="{C485584D-7D79-4248-9986-4CA35242F944}" type="datetimeFigureOut">
               <a:rPr lang="en-US" smtClean="0"/>
-              <a:t>1/14/2022</a:t>
+              <a:t>2/1/2022</a:t>
             </a:fld>
             <a:endParaRPr lang="en-US"/>
           </a:p>
@@ -11386,7 +11414,7 @@
           <a:p>
             <a:fld id="{C485584D-7D79-4248-9986-4CA35242F944}" type="datetimeFigureOut">
               <a:rPr lang="en-US" smtClean="0"/>
-              <a:t>1/14/2022</a:t>
+              <a:t>2/1/2022</a:t>
             </a:fld>
             <a:endParaRPr lang="en-US"/>
           </a:p>
@@ -11699,7 +11727,7 @@
           <a:p>
             <a:fld id="{C485584D-7D79-4248-9986-4CA35242F944}" type="datetimeFigureOut">
               <a:rPr lang="en-US" smtClean="0"/>
-              <a:t>1/14/2022</a:t>
+              <a:t>2/1/2022</a:t>
             </a:fld>
             <a:endParaRPr lang="en-US"/>
           </a:p>
@@ -11991,7 +12019,7 @@
           <a:p>
             <a:fld id="{C485584D-7D79-4248-9986-4CA35242F944}" type="datetimeFigureOut">
               <a:rPr lang="en-US" smtClean="0"/>
-              <a:t>1/14/2022</a:t>
+              <a:t>2/1/2022</a:t>
             </a:fld>
             <a:endParaRPr lang="en-US"/>
           </a:p>
@@ -12275,7 +12303,7 @@
           <a:p>
             <a:fld id="{C485584D-7D79-4248-9986-4CA35242F944}" type="datetimeFigureOut">
               <a:rPr lang="en-US" smtClean="0"/>
-              <a:t>1/14/2022</a:t>
+              <a:t>2/1/2022</a:t>
             </a:fld>
             <a:endParaRPr lang="en-US"/>
           </a:p>
@@ -19515,7 +19543,7 @@
           <p:nvPr>
             <p:extLst>
               <p:ext uri="{D42A27DB-BD31-4B8C-83A1-F6EECF244321}">
-                <p14:modId xmlns:p14="http://schemas.microsoft.com/office/powerpoint/2010/main" val="437746181"/>
+                <p14:modId xmlns:p14="http://schemas.microsoft.com/office/powerpoint/2010/main" val="3762247033"/>
               </p:ext>
             </p:extLst>
           </p:nvPr>
